--- a/portfolio/ポートフォリオ図式.pptx
+++ b/portfolio/ポートフォリオ図式.pptx
@@ -6,6 +6,7 @@
   </p:sldMasterIdLst>
   <p:sldIdLst>
     <p:sldId id="256" r:id="rId2"/>
+    <p:sldId id="257" r:id="rId3"/>
   </p:sldIdLst>
   <p:sldSz cx="12192000" cy="6858000"/>
   <p:notesSz cx="6858000" cy="9144000"/>
@@ -104,6 +105,11 @@
       </a:defRPr>
     </a:lvl9pPr>
   </p:defaultTextStyle>
+  <p:extLst>
+    <p:ext uri="{EFAFB233-063F-42B5-8137-9DF3F51BA10A}">
+      <p15:sldGuideLst xmlns:p15="http://schemas.microsoft.com/office/powerpoint/2012/main"/>
+    </p:ext>
+  </p:extLst>
 </p:presentation>
 </file>
 
@@ -3623,7 +3629,7 @@
         </p:nvSpPr>
         <p:spPr>
           <a:xfrm>
-            <a:off x="181428" y="1828800"/>
+            <a:off x="167273" y="2546737"/>
             <a:ext cx="515257" cy="2601685"/>
           </a:xfrm>
           <a:prstGeom prst="roundRect">
@@ -3670,7 +3676,7 @@
         </p:nvSpPr>
         <p:spPr>
           <a:xfrm>
-            <a:off x="11444516" y="1828800"/>
+            <a:off x="11495315" y="2546737"/>
             <a:ext cx="515257" cy="2601685"/>
           </a:xfrm>
           <a:prstGeom prst="roundRect">
@@ -3721,8 +3727,8 @@
         </p:nvCxnSpPr>
         <p:spPr>
           <a:xfrm>
-            <a:off x="696685" y="3129643"/>
-            <a:ext cx="1045028" cy="0"/>
+            <a:off x="682530" y="3847580"/>
+            <a:ext cx="1378676" cy="6735"/>
           </a:xfrm>
           <a:prstGeom prst="straightConnector1">
             <a:avLst/>
@@ -3760,7 +3766,7 @@
         </p:nvSpPr>
         <p:spPr>
           <a:xfrm>
-            <a:off x="1741713" y="1828800"/>
+            <a:off x="2061206" y="2553472"/>
             <a:ext cx="515257" cy="2601685"/>
           </a:xfrm>
           <a:prstGeom prst="roundRect">
@@ -3812,8 +3818,8 @@
         </p:nvCxnSpPr>
         <p:spPr>
           <a:xfrm>
-            <a:off x="2256970" y="3129643"/>
-            <a:ext cx="2053771" cy="1533072"/>
+            <a:off x="2576463" y="3854315"/>
+            <a:ext cx="2717711" cy="1519340"/>
           </a:xfrm>
           <a:prstGeom prst="bentConnector3">
             <a:avLst>
@@ -3857,8 +3863,8 @@
         </p:nvCxnSpPr>
         <p:spPr>
           <a:xfrm flipV="1">
-            <a:off x="2256970" y="1611080"/>
-            <a:ext cx="2053771" cy="1518563"/>
+            <a:off x="2576463" y="2322020"/>
+            <a:ext cx="2717711" cy="1532295"/>
           </a:xfrm>
           <a:prstGeom prst="bentConnector3">
             <a:avLst>
@@ -3898,7 +3904,7 @@
         </p:nvSpPr>
         <p:spPr>
           <a:xfrm>
-            <a:off x="6480627" y="218353"/>
+            <a:off x="7761518" y="218353"/>
             <a:ext cx="3541485" cy="567620"/>
           </a:xfrm>
           <a:prstGeom prst="roundRect">
@@ -3955,8 +3961,8 @@
         </p:nvCxnSpPr>
         <p:spPr>
           <a:xfrm flipV="1">
-            <a:off x="2256970" y="3129642"/>
-            <a:ext cx="2053771" cy="1"/>
+            <a:off x="2576463" y="3840582"/>
+            <a:ext cx="2717711" cy="13733"/>
           </a:xfrm>
           <a:prstGeom prst="straightConnector1">
             <a:avLst/>
@@ -3994,7 +4000,7 @@
         </p:nvSpPr>
         <p:spPr>
           <a:xfrm>
-            <a:off x="4310741" y="4156531"/>
+            <a:off x="5294174" y="4867471"/>
             <a:ext cx="1262744" cy="1012368"/>
           </a:xfrm>
           <a:prstGeom prst="roundRect">
@@ -4049,7 +4055,7 @@
         </p:nvSpPr>
         <p:spPr>
           <a:xfrm>
-            <a:off x="4310741" y="2623458"/>
+            <a:off x="5294174" y="3334398"/>
             <a:ext cx="1262744" cy="1012368"/>
           </a:xfrm>
           <a:prstGeom prst="roundRect">
@@ -4104,7 +4110,7 @@
         </p:nvSpPr>
         <p:spPr>
           <a:xfrm>
-            <a:off x="4310741" y="1104896"/>
+            <a:off x="5294174" y="1815836"/>
             <a:ext cx="1262745" cy="1012368"/>
           </a:xfrm>
           <a:prstGeom prst="roundRect">
@@ -4163,8 +4169,8 @@
         </p:nvCxnSpPr>
         <p:spPr>
           <a:xfrm>
-            <a:off x="5573486" y="1611080"/>
-            <a:ext cx="2420256" cy="1518562"/>
+            <a:off x="6556919" y="2322020"/>
+            <a:ext cx="2717712" cy="1518562"/>
           </a:xfrm>
           <a:prstGeom prst="bentConnector3">
             <a:avLst/>
@@ -4206,8 +4212,8 @@
         </p:nvCxnSpPr>
         <p:spPr>
           <a:xfrm>
-            <a:off x="5573485" y="3129642"/>
-            <a:ext cx="2420257" cy="0"/>
+            <a:off x="6556918" y="3840582"/>
+            <a:ext cx="2717713" cy="0"/>
           </a:xfrm>
           <a:prstGeom prst="straightConnector1">
             <a:avLst/>
@@ -4249,8 +4255,8 @@
         </p:nvCxnSpPr>
         <p:spPr>
           <a:xfrm flipV="1">
-            <a:off x="5573485" y="3129642"/>
-            <a:ext cx="2420257" cy="1533073"/>
+            <a:off x="6556918" y="3840582"/>
+            <a:ext cx="2717713" cy="1533073"/>
           </a:xfrm>
           <a:prstGeom prst="bentConnector3">
             <a:avLst/>
@@ -4288,7 +4294,7 @@
         </p:nvSpPr>
         <p:spPr>
           <a:xfrm>
-            <a:off x="7993742" y="1828799"/>
+            <a:off x="9274631" y="2539739"/>
             <a:ext cx="515257" cy="2601685"/>
           </a:xfrm>
           <a:prstGeom prst="roundRect">
@@ -4325,30 +4331,28 @@
       </p:sp>
       <p:cxnSp>
         <p:nvCxnSpPr>
-          <p:cNvPr id="64" name="コネクタ: カギ線 63">
-            <a:extLst>
-              <a:ext uri="{FF2B5EF4-FFF2-40B4-BE49-F238E27FC236}">
-                <a16:creationId xmlns:a16="http://schemas.microsoft.com/office/drawing/2014/main" id="{9F8CBE47-8AC1-75E6-DB74-425863E5AC4A}"/>
+          <p:cNvPr id="80" name="直線矢印コネクタ 79">
+            <a:extLst>
+              <a:ext uri="{FF2B5EF4-FFF2-40B4-BE49-F238E27FC236}">
+                <a16:creationId xmlns:a16="http://schemas.microsoft.com/office/drawing/2014/main" id="{FF1B5A00-6359-6DAD-3F84-10AE71F2878C}"/>
               </a:ext>
             </a:extLst>
           </p:cNvPr>
           <p:cNvCxnSpPr>
             <a:cxnSpLocks/>
-            <a:stCxn id="12" idx="0"/>
-            <a:endCxn id="26" idx="1"/>
+            <a:stCxn id="56" idx="3"/>
           </p:cNvCxnSpPr>
           <p:nvPr/>
         </p:nvCxnSpPr>
         <p:spPr>
-          <a:xfrm rot="5400000" flipH="1" flipV="1">
-            <a:off x="3576666" y="-1075160"/>
-            <a:ext cx="1326637" cy="4481285"/>
-          </a:xfrm>
-          <a:prstGeom prst="bentConnector2">
+          <a:xfrm>
+            <a:off x="9789888" y="3840582"/>
+            <a:ext cx="2325555" cy="0"/>
+          </a:xfrm>
+          <a:prstGeom prst="straightConnector1">
             <a:avLst/>
           </a:prstGeom>
           <a:ln>
-            <a:headEnd type="triangle"/>
             <a:tailEnd type="triangle"/>
           </a:ln>
         </p:spPr>
@@ -4369,59 +4373,70 @@
       </p:cxnSp>
       <p:sp>
         <p:nvSpPr>
-          <p:cNvPr id="65" name="テキスト ボックス 64">
-            <a:extLst>
-              <a:ext uri="{FF2B5EF4-FFF2-40B4-BE49-F238E27FC236}">
-                <a16:creationId xmlns:a16="http://schemas.microsoft.com/office/drawing/2014/main" id="{1E67BB7D-EA72-5905-A3B0-996F5CF7933B}"/>
-              </a:ext>
-            </a:extLst>
-          </p:cNvPr>
-          <p:cNvSpPr txBox="1"/>
+          <p:cNvPr id="24" name="四角形: 角を丸くする 23">
+            <a:extLst>
+              <a:ext uri="{FF2B5EF4-FFF2-40B4-BE49-F238E27FC236}">
+                <a16:creationId xmlns:a16="http://schemas.microsoft.com/office/drawing/2014/main" id="{04AC791F-AD91-C964-B76D-B7041A8E601D}"/>
+              </a:ext>
+            </a:extLst>
+          </p:cNvPr>
+          <p:cNvSpPr/>
           <p:nvPr/>
         </p:nvSpPr>
         <p:spPr>
           <a:xfrm>
-            <a:off x="1219199" y="631757"/>
-            <a:ext cx="1800493" cy="369332"/>
-          </a:xfrm>
-          <a:prstGeom prst="rect">
+            <a:off x="8077202" y="1223864"/>
+            <a:ext cx="2910116" cy="591972"/>
+          </a:xfrm>
+          <a:prstGeom prst="roundRect">
             <a:avLst/>
           </a:prstGeom>
-          <a:noFill/>
-        </p:spPr>
-        <p:txBody>
-          <a:bodyPr wrap="none" rtlCol="0">
-            <a:spAutoFit/>
-          </a:bodyPr>
-          <a:lstStyle/>
-          <a:p>
+        </p:spPr>
+        <p:style>
+          <a:lnRef idx="2">
+            <a:schemeClr val="accent6"/>
+          </a:lnRef>
+          <a:fillRef idx="1">
+            <a:schemeClr val="lt1"/>
+          </a:fillRef>
+          <a:effectRef idx="0">
+            <a:schemeClr val="accent6"/>
+          </a:effectRef>
+          <a:fontRef idx="minor">
+            <a:schemeClr val="dk1"/>
+          </a:fontRef>
+        </p:style>
+        <p:txBody>
+          <a:bodyPr rtlCol="0" anchor="ctr"/>
+          <a:lstStyle/>
+          <a:p>
+            <a:pPr algn="ctr"/>
             <a:r>
               <a:rPr kumimoji="1" lang="ja-JP" altLang="en-US" dirty="0"/>
-              <a:t>ステートを取得</a:t>
+              <a:t>条件によってメンバ変数を変更</a:t>
             </a:r>
           </a:p>
         </p:txBody>
       </p:sp>
       <p:cxnSp>
         <p:nvCxnSpPr>
-          <p:cNvPr id="67" name="直線矢印コネクタ 66">
-            <a:extLst>
-              <a:ext uri="{FF2B5EF4-FFF2-40B4-BE49-F238E27FC236}">
-                <a16:creationId xmlns:a16="http://schemas.microsoft.com/office/drawing/2014/main" id="{7A926847-753C-79E1-798A-0A5581A8D1AD}"/>
+          <p:cNvPr id="27" name="直線矢印コネクタ 26">
+            <a:extLst>
+              <a:ext uri="{FF2B5EF4-FFF2-40B4-BE49-F238E27FC236}">
+                <a16:creationId xmlns:a16="http://schemas.microsoft.com/office/drawing/2014/main" id="{0D2706E5-15EE-94B0-ABA4-287B97AE6C98}"/>
               </a:ext>
             </a:extLst>
           </p:cNvPr>
           <p:cNvCxnSpPr>
-            <a:cxnSpLocks/>
             <a:stCxn id="56" idx="0"/>
-            <a:endCxn id="26" idx="2"/>
+            <a:endCxn id="24" idx="2"/>
           </p:cNvCxnSpPr>
           <p:nvPr/>
         </p:nvCxnSpPr>
         <p:spPr>
-          <a:xfrm flipH="1" flipV="1">
-            <a:off x="8251370" y="785973"/>
-            <a:ext cx="1" cy="1042826"/>
+          <a:xfrm flipV="1">
+            <a:off x="9532260" y="1815836"/>
+            <a:ext cx="0" cy="723903"/>
           </a:xfrm>
           <a:prstGeom prst="straightConnector1">
             <a:avLst/>
@@ -4445,60 +4460,25 @@
           </a:fontRef>
         </p:style>
       </p:cxnSp>
-      <p:sp>
-        <p:nvSpPr>
-          <p:cNvPr id="70" name="テキスト ボックス 69">
-            <a:extLst>
-              <a:ext uri="{FF2B5EF4-FFF2-40B4-BE49-F238E27FC236}">
-                <a16:creationId xmlns:a16="http://schemas.microsoft.com/office/drawing/2014/main" id="{9BE14978-38EA-5B46-7075-45E1346091F1}"/>
-              </a:ext>
-            </a:extLst>
-          </p:cNvPr>
-          <p:cNvSpPr txBox="1"/>
-          <p:nvPr/>
-        </p:nvSpPr>
-        <p:spPr>
-          <a:xfrm>
-            <a:off x="6234783" y="1039065"/>
-            <a:ext cx="3416320" cy="369332"/>
-          </a:xfrm>
-          <a:prstGeom prst="rect">
-            <a:avLst/>
-          </a:prstGeom>
-          <a:noFill/>
-        </p:spPr>
-        <p:txBody>
-          <a:bodyPr wrap="none" rtlCol="0">
-            <a:spAutoFit/>
-          </a:bodyPr>
-          <a:lstStyle/>
-          <a:p>
-            <a:r>
-              <a:rPr kumimoji="1" lang="ja-JP" altLang="en-US" dirty="0"/>
-              <a:t>条件式によってステートを変更</a:t>
-            </a:r>
-          </a:p>
-        </p:txBody>
-      </p:sp>
       <p:cxnSp>
         <p:nvCxnSpPr>
-          <p:cNvPr id="80" name="直線矢印コネクタ 79">
-            <a:extLst>
-              <a:ext uri="{FF2B5EF4-FFF2-40B4-BE49-F238E27FC236}">
-                <a16:creationId xmlns:a16="http://schemas.microsoft.com/office/drawing/2014/main" id="{FF1B5A00-6359-6DAD-3F84-10AE71F2878C}"/>
+          <p:cNvPr id="29" name="直線矢印コネクタ 28">
+            <a:extLst>
+              <a:ext uri="{FF2B5EF4-FFF2-40B4-BE49-F238E27FC236}">
+                <a16:creationId xmlns:a16="http://schemas.microsoft.com/office/drawing/2014/main" id="{BA9AAF7A-3A06-C30E-51CE-757E0CEB25EA}"/>
               </a:ext>
             </a:extLst>
           </p:cNvPr>
           <p:cNvCxnSpPr>
-            <a:stCxn id="56" idx="3"/>
-            <a:endCxn id="5" idx="1"/>
+            <a:stCxn id="24" idx="0"/>
+            <a:endCxn id="26" idx="2"/>
           </p:cNvCxnSpPr>
           <p:nvPr/>
         </p:nvCxnSpPr>
         <p:spPr>
-          <a:xfrm>
-            <a:off x="8508999" y="3129642"/>
-            <a:ext cx="2935517" cy="1"/>
+          <a:xfrm flipV="1">
+            <a:off x="9532260" y="785973"/>
+            <a:ext cx="1" cy="437891"/>
           </a:xfrm>
           <a:prstGeom prst="straightConnector1">
             <a:avLst/>
@@ -4522,10 +4502,1136 @@
           </a:fontRef>
         </p:style>
       </p:cxnSp>
+      <p:sp>
+        <p:nvSpPr>
+          <p:cNvPr id="31" name="四角形: 角を丸くする 30">
+            <a:extLst>
+              <a:ext uri="{FF2B5EF4-FFF2-40B4-BE49-F238E27FC236}">
+                <a16:creationId xmlns:a16="http://schemas.microsoft.com/office/drawing/2014/main" id="{FE7B1BEB-DB49-E586-D91A-1512E8B38394}"/>
+              </a:ext>
+            </a:extLst>
+          </p:cNvPr>
+          <p:cNvSpPr/>
+          <p:nvPr/>
+        </p:nvSpPr>
+        <p:spPr>
+          <a:xfrm>
+            <a:off x="3447320" y="218353"/>
+            <a:ext cx="2449107" cy="567620"/>
+          </a:xfrm>
+          <a:prstGeom prst="roundRect">
+            <a:avLst/>
+          </a:prstGeom>
+        </p:spPr>
+        <p:style>
+          <a:lnRef idx="2">
+            <a:schemeClr val="accent6"/>
+          </a:lnRef>
+          <a:fillRef idx="1">
+            <a:schemeClr val="lt1"/>
+          </a:fillRef>
+          <a:effectRef idx="0">
+            <a:schemeClr val="accent6"/>
+          </a:effectRef>
+          <a:fontRef idx="minor">
+            <a:schemeClr val="dk1"/>
+          </a:fontRef>
+        </p:style>
+        <p:txBody>
+          <a:bodyPr rtlCol="0" anchor="ctr"/>
+          <a:lstStyle/>
+          <a:p>
+            <a:pPr algn="ctr"/>
+            <a:r>
+              <a:rPr kumimoji="1" lang="ja-JP" altLang="en-US" dirty="0"/>
+              <a:t>ステートを取得する</a:t>
+            </a:r>
+          </a:p>
+        </p:txBody>
+      </p:sp>
+      <p:cxnSp>
+        <p:nvCxnSpPr>
+          <p:cNvPr id="33" name="直線矢印コネクタ 32">
+            <a:extLst>
+              <a:ext uri="{FF2B5EF4-FFF2-40B4-BE49-F238E27FC236}">
+                <a16:creationId xmlns:a16="http://schemas.microsoft.com/office/drawing/2014/main" id="{55CB211D-C03B-44C6-CA8C-0042FB1185AF}"/>
+              </a:ext>
+            </a:extLst>
+          </p:cNvPr>
+          <p:cNvCxnSpPr>
+            <a:stCxn id="31" idx="3"/>
+            <a:endCxn id="26" idx="1"/>
+          </p:cNvCxnSpPr>
+          <p:nvPr/>
+        </p:nvCxnSpPr>
+        <p:spPr>
+          <a:xfrm>
+            <a:off x="5896427" y="502163"/>
+            <a:ext cx="1865091" cy="0"/>
+          </a:xfrm>
+          <a:prstGeom prst="straightConnector1">
+            <a:avLst/>
+          </a:prstGeom>
+          <a:ln>
+            <a:tailEnd type="triangle"/>
+          </a:ln>
+        </p:spPr>
+        <p:style>
+          <a:lnRef idx="1">
+            <a:schemeClr val="accent6"/>
+          </a:lnRef>
+          <a:fillRef idx="0">
+            <a:schemeClr val="accent6"/>
+          </a:fillRef>
+          <a:effectRef idx="0">
+            <a:schemeClr val="accent6"/>
+          </a:effectRef>
+          <a:fontRef idx="minor">
+            <a:schemeClr val="tx1"/>
+          </a:fontRef>
+        </p:style>
+      </p:cxnSp>
+      <p:cxnSp>
+        <p:nvCxnSpPr>
+          <p:cNvPr id="36" name="コネクタ: カギ線 35">
+            <a:extLst>
+              <a:ext uri="{FF2B5EF4-FFF2-40B4-BE49-F238E27FC236}">
+                <a16:creationId xmlns:a16="http://schemas.microsoft.com/office/drawing/2014/main" id="{FCE0D8BD-8D03-97C2-5AA4-CFDA9D2B6DDE}"/>
+              </a:ext>
+            </a:extLst>
+          </p:cNvPr>
+          <p:cNvCxnSpPr>
+            <a:stCxn id="12" idx="0"/>
+            <a:endCxn id="31" idx="1"/>
+          </p:cNvCxnSpPr>
+          <p:nvPr/>
+        </p:nvCxnSpPr>
+        <p:spPr>
+          <a:xfrm rot="5400000" flipH="1" flipV="1">
+            <a:off x="1857423" y="963576"/>
+            <a:ext cx="2051309" cy="1128485"/>
+          </a:xfrm>
+          <a:prstGeom prst="bentConnector2">
+            <a:avLst/>
+          </a:prstGeom>
+          <a:ln>
+            <a:tailEnd type="triangle"/>
+          </a:ln>
+        </p:spPr>
+        <p:style>
+          <a:lnRef idx="1">
+            <a:schemeClr val="accent6"/>
+          </a:lnRef>
+          <a:fillRef idx="0">
+            <a:schemeClr val="accent6"/>
+          </a:fillRef>
+          <a:effectRef idx="0">
+            <a:schemeClr val="accent6"/>
+          </a:effectRef>
+          <a:fontRef idx="minor">
+            <a:schemeClr val="tx1"/>
+          </a:fontRef>
+        </p:style>
+      </p:cxnSp>
+      <p:sp>
+        <p:nvSpPr>
+          <p:cNvPr id="71" name="四角形: 角を丸くする 70">
+            <a:extLst>
+              <a:ext uri="{FF2B5EF4-FFF2-40B4-BE49-F238E27FC236}">
+                <a16:creationId xmlns:a16="http://schemas.microsoft.com/office/drawing/2014/main" id="{23CAB1BA-B96B-722D-DE37-006D6180E595}"/>
+              </a:ext>
+            </a:extLst>
+          </p:cNvPr>
+          <p:cNvSpPr/>
+          <p:nvPr/>
+        </p:nvSpPr>
+        <p:spPr>
+          <a:xfrm>
+            <a:off x="10392232" y="5573486"/>
+            <a:ext cx="1618340" cy="435427"/>
+          </a:xfrm>
+          <a:prstGeom prst="roundRect">
+            <a:avLst/>
+          </a:prstGeom>
+        </p:spPr>
+        <p:style>
+          <a:lnRef idx="2">
+            <a:schemeClr val="accent1">
+              <a:shade val="15000"/>
+            </a:schemeClr>
+          </a:lnRef>
+          <a:fillRef idx="1">
+            <a:schemeClr val="accent1"/>
+          </a:fillRef>
+          <a:effectRef idx="0">
+            <a:schemeClr val="accent1"/>
+          </a:effectRef>
+          <a:fontRef idx="minor">
+            <a:schemeClr val="lt1"/>
+          </a:fontRef>
+        </p:style>
+        <p:txBody>
+          <a:bodyPr rtlCol="0" anchor="ctr"/>
+          <a:lstStyle/>
+          <a:p>
+            <a:pPr algn="ctr"/>
+            <a:r>
+              <a:rPr kumimoji="1" lang="ja-JP" altLang="en-US" dirty="0"/>
+              <a:t>クラス：変数</a:t>
+            </a:r>
+          </a:p>
+        </p:txBody>
+      </p:sp>
+      <p:sp>
+        <p:nvSpPr>
+          <p:cNvPr id="72" name="四角形: 角を丸くする 71">
+            <a:extLst>
+              <a:ext uri="{FF2B5EF4-FFF2-40B4-BE49-F238E27FC236}">
+                <a16:creationId xmlns:a16="http://schemas.microsoft.com/office/drawing/2014/main" id="{C8532D8B-1C5B-7270-7415-4F6F7A225C90}"/>
+              </a:ext>
+            </a:extLst>
+          </p:cNvPr>
+          <p:cNvSpPr/>
+          <p:nvPr/>
+        </p:nvSpPr>
+        <p:spPr>
+          <a:xfrm>
+            <a:off x="10392232" y="6234725"/>
+            <a:ext cx="1618340" cy="398504"/>
+          </a:xfrm>
+          <a:prstGeom prst="roundRect">
+            <a:avLst/>
+          </a:prstGeom>
+        </p:spPr>
+        <p:style>
+          <a:lnRef idx="2">
+            <a:schemeClr val="accent6"/>
+          </a:lnRef>
+          <a:fillRef idx="1">
+            <a:schemeClr val="lt1"/>
+          </a:fillRef>
+          <a:effectRef idx="0">
+            <a:schemeClr val="accent6"/>
+          </a:effectRef>
+          <a:fontRef idx="minor">
+            <a:schemeClr val="dk1"/>
+          </a:fontRef>
+        </p:style>
+        <p:txBody>
+          <a:bodyPr rtlCol="0" anchor="ctr"/>
+          <a:lstStyle/>
+          <a:p>
+            <a:pPr algn="ctr"/>
+            <a:r>
+              <a:rPr kumimoji="1" lang="ja-JP" altLang="en-US" dirty="0"/>
+              <a:t>処理</a:t>
+            </a:r>
+          </a:p>
+        </p:txBody>
+      </p:sp>
     </p:spTree>
     <p:extLst>
       <p:ext uri="{BB962C8B-B14F-4D97-AF65-F5344CB8AC3E}">
         <p14:creationId xmlns:p14="http://schemas.microsoft.com/office/powerpoint/2010/main" val="800094265"/>
+      </p:ext>
+    </p:extLst>
+  </p:cSld>
+  <p:clrMapOvr>
+    <a:masterClrMapping/>
+  </p:clrMapOvr>
+</p:sld>
+</file>
+
+<file path=ppt/slides/slide2.xml><?xml version="1.0" encoding="utf-8"?>
+<p:sld xmlns:a="http://schemas.openxmlformats.org/drawingml/2006/main" xmlns:r="http://schemas.openxmlformats.org/officeDocument/2006/relationships" xmlns:p="http://schemas.openxmlformats.org/presentationml/2006/main">
+  <p:cSld>
+    <p:spTree>
+      <p:nvGrpSpPr>
+        <p:cNvPr id="1" name=""/>
+        <p:cNvGrpSpPr/>
+        <p:nvPr/>
+      </p:nvGrpSpPr>
+      <p:grpSpPr>
+        <a:xfrm>
+          <a:off x="0" y="0"/>
+          <a:ext cx="0" cy="0"/>
+          <a:chOff x="0" y="0"/>
+          <a:chExt cx="0" cy="0"/>
+        </a:xfrm>
+      </p:grpSpPr>
+      <p:sp>
+        <p:nvSpPr>
+          <p:cNvPr id="2" name="四角形: 角を丸くする 1">
+            <a:extLst>
+              <a:ext uri="{FF2B5EF4-FFF2-40B4-BE49-F238E27FC236}">
+                <a16:creationId xmlns:a16="http://schemas.microsoft.com/office/drawing/2014/main" id="{961C3D84-6F8F-44B3-1637-1A058F5E4D7F}"/>
+              </a:ext>
+            </a:extLst>
+          </p:cNvPr>
+          <p:cNvSpPr/>
+          <p:nvPr/>
+        </p:nvSpPr>
+        <p:spPr>
+          <a:xfrm>
+            <a:off x="3523340" y="2425698"/>
+            <a:ext cx="5145315" cy="537029"/>
+          </a:xfrm>
+          <a:prstGeom prst="roundRect">
+            <a:avLst/>
+          </a:prstGeom>
+        </p:spPr>
+        <p:style>
+          <a:lnRef idx="2">
+            <a:schemeClr val="accent1">
+              <a:shade val="15000"/>
+            </a:schemeClr>
+          </a:lnRef>
+          <a:fillRef idx="1">
+            <a:schemeClr val="accent1"/>
+          </a:fillRef>
+          <a:effectRef idx="0">
+            <a:schemeClr val="accent1"/>
+          </a:effectRef>
+          <a:fontRef idx="minor">
+            <a:schemeClr val="lt1"/>
+          </a:fontRef>
+        </p:style>
+        <p:txBody>
+          <a:bodyPr rtlCol="0" anchor="ctr"/>
+          <a:lstStyle/>
+          <a:p>
+            <a:pPr algn="ctr"/>
+            <a:r>
+              <a:rPr kumimoji="1" lang="ja-JP" altLang="en-US" dirty="0"/>
+              <a:t>エネミー全体のアドレスを記録しているクラス</a:t>
+            </a:r>
+          </a:p>
+        </p:txBody>
+      </p:sp>
+      <p:sp>
+        <p:nvSpPr>
+          <p:cNvPr id="4" name="四角形: 角を丸くする 3">
+            <a:extLst>
+              <a:ext uri="{FF2B5EF4-FFF2-40B4-BE49-F238E27FC236}">
+                <a16:creationId xmlns:a16="http://schemas.microsoft.com/office/drawing/2014/main" id="{8C57B993-2928-B49E-9697-A8BD0C2F3427}"/>
+              </a:ext>
+            </a:extLst>
+          </p:cNvPr>
+          <p:cNvSpPr/>
+          <p:nvPr/>
+        </p:nvSpPr>
+        <p:spPr>
+          <a:xfrm>
+            <a:off x="5034642" y="283027"/>
+            <a:ext cx="2122714" cy="537029"/>
+          </a:xfrm>
+          <a:prstGeom prst="roundRect">
+            <a:avLst/>
+          </a:prstGeom>
+        </p:spPr>
+        <p:style>
+          <a:lnRef idx="2">
+            <a:schemeClr val="accent1">
+              <a:shade val="15000"/>
+            </a:schemeClr>
+          </a:lnRef>
+          <a:fillRef idx="1">
+            <a:schemeClr val="accent1"/>
+          </a:fillRef>
+          <a:effectRef idx="0">
+            <a:schemeClr val="accent1"/>
+          </a:effectRef>
+          <a:fontRef idx="minor">
+            <a:schemeClr val="lt1"/>
+          </a:fontRef>
+        </p:style>
+        <p:txBody>
+          <a:bodyPr rtlCol="0" anchor="ctr"/>
+          <a:lstStyle/>
+          <a:p>
+            <a:pPr algn="ctr"/>
+            <a:r>
+              <a:rPr kumimoji="1" lang="ja-JP" altLang="en-US" dirty="0"/>
+              <a:t>集団制御クラス</a:t>
+            </a:r>
+          </a:p>
+        </p:txBody>
+      </p:sp>
+      <p:sp>
+        <p:nvSpPr>
+          <p:cNvPr id="7" name="四角形: 角を丸くする 6">
+            <a:extLst>
+              <a:ext uri="{FF2B5EF4-FFF2-40B4-BE49-F238E27FC236}">
+                <a16:creationId xmlns:a16="http://schemas.microsoft.com/office/drawing/2014/main" id="{FB9DA287-4947-126C-61BC-A91B26DC3362}"/>
+              </a:ext>
+            </a:extLst>
+          </p:cNvPr>
+          <p:cNvSpPr/>
+          <p:nvPr/>
+        </p:nvSpPr>
+        <p:spPr>
+          <a:xfrm>
+            <a:off x="1128484" y="5769430"/>
+            <a:ext cx="2394857" cy="537030"/>
+          </a:xfrm>
+          <a:prstGeom prst="roundRect">
+            <a:avLst/>
+          </a:prstGeom>
+        </p:spPr>
+        <p:style>
+          <a:lnRef idx="2">
+            <a:schemeClr val="accent1">
+              <a:shade val="15000"/>
+            </a:schemeClr>
+          </a:lnRef>
+          <a:fillRef idx="1">
+            <a:schemeClr val="accent1"/>
+          </a:fillRef>
+          <a:effectRef idx="0">
+            <a:schemeClr val="accent1"/>
+          </a:effectRef>
+          <a:fontRef idx="minor">
+            <a:schemeClr val="lt1"/>
+          </a:fontRef>
+        </p:style>
+        <p:txBody>
+          <a:bodyPr rtlCol="0" anchor="ctr"/>
+          <a:lstStyle/>
+          <a:p>
+            <a:pPr algn="ctr"/>
+            <a:r>
+              <a:rPr kumimoji="1" lang="ja-JP" altLang="en-US" dirty="0"/>
+              <a:t>エネミー</a:t>
+            </a:r>
+            <a:r>
+              <a:rPr kumimoji="1" lang="en-US" altLang="ja-JP" dirty="0"/>
+              <a:t>A</a:t>
+            </a:r>
+            <a:r>
+              <a:rPr kumimoji="1" lang="ja-JP" altLang="en-US" dirty="0"/>
+              <a:t>クラス</a:t>
+            </a:r>
+          </a:p>
+        </p:txBody>
+      </p:sp>
+      <p:sp>
+        <p:nvSpPr>
+          <p:cNvPr id="8" name="四角形: 角を丸くする 7">
+            <a:extLst>
+              <a:ext uri="{FF2B5EF4-FFF2-40B4-BE49-F238E27FC236}">
+                <a16:creationId xmlns:a16="http://schemas.microsoft.com/office/drawing/2014/main" id="{56D97013-4459-BAAE-816F-FB1155FC3E83}"/>
+              </a:ext>
+            </a:extLst>
+          </p:cNvPr>
+          <p:cNvSpPr/>
+          <p:nvPr/>
+        </p:nvSpPr>
+        <p:spPr>
+          <a:xfrm>
+            <a:off x="4898569" y="5769430"/>
+            <a:ext cx="2394857" cy="537030"/>
+          </a:xfrm>
+          <a:prstGeom prst="roundRect">
+            <a:avLst/>
+          </a:prstGeom>
+        </p:spPr>
+        <p:style>
+          <a:lnRef idx="2">
+            <a:schemeClr val="accent1">
+              <a:shade val="15000"/>
+            </a:schemeClr>
+          </a:lnRef>
+          <a:fillRef idx="1">
+            <a:schemeClr val="accent1"/>
+          </a:fillRef>
+          <a:effectRef idx="0">
+            <a:schemeClr val="accent1"/>
+          </a:effectRef>
+          <a:fontRef idx="minor">
+            <a:schemeClr val="lt1"/>
+          </a:fontRef>
+        </p:style>
+        <p:txBody>
+          <a:bodyPr rtlCol="0" anchor="ctr"/>
+          <a:lstStyle/>
+          <a:p>
+            <a:pPr algn="ctr"/>
+            <a:r>
+              <a:rPr kumimoji="1" lang="ja-JP" altLang="en-US" dirty="0"/>
+              <a:t>エネミー</a:t>
+            </a:r>
+            <a:r>
+              <a:rPr lang="en-US" altLang="ja-JP" dirty="0"/>
+              <a:t>B</a:t>
+            </a:r>
+            <a:r>
+              <a:rPr kumimoji="1" lang="ja-JP" altLang="en-US" dirty="0"/>
+              <a:t>クラス</a:t>
+            </a:r>
+          </a:p>
+        </p:txBody>
+      </p:sp>
+      <p:sp>
+        <p:nvSpPr>
+          <p:cNvPr id="9" name="四角形: 角を丸くする 8">
+            <a:extLst>
+              <a:ext uri="{FF2B5EF4-FFF2-40B4-BE49-F238E27FC236}">
+                <a16:creationId xmlns:a16="http://schemas.microsoft.com/office/drawing/2014/main" id="{A38E4BE2-6487-4134-F898-229FBDC7156E}"/>
+              </a:ext>
+            </a:extLst>
+          </p:cNvPr>
+          <p:cNvSpPr/>
+          <p:nvPr/>
+        </p:nvSpPr>
+        <p:spPr>
+          <a:xfrm>
+            <a:off x="8684984" y="5769430"/>
+            <a:ext cx="2394857" cy="537030"/>
+          </a:xfrm>
+          <a:prstGeom prst="roundRect">
+            <a:avLst/>
+          </a:prstGeom>
+        </p:spPr>
+        <p:style>
+          <a:lnRef idx="2">
+            <a:schemeClr val="accent1">
+              <a:shade val="15000"/>
+            </a:schemeClr>
+          </a:lnRef>
+          <a:fillRef idx="1">
+            <a:schemeClr val="accent1"/>
+          </a:fillRef>
+          <a:effectRef idx="0">
+            <a:schemeClr val="accent1"/>
+          </a:effectRef>
+          <a:fontRef idx="minor">
+            <a:schemeClr val="lt1"/>
+          </a:fontRef>
+        </p:style>
+        <p:txBody>
+          <a:bodyPr rtlCol="0" anchor="ctr"/>
+          <a:lstStyle/>
+          <a:p>
+            <a:pPr algn="ctr"/>
+            <a:r>
+              <a:rPr kumimoji="1" lang="ja-JP" altLang="en-US" dirty="0"/>
+              <a:t>エネミー</a:t>
+            </a:r>
+            <a:r>
+              <a:rPr lang="en-US" altLang="ja-JP" dirty="0"/>
+              <a:t>C</a:t>
+            </a:r>
+            <a:r>
+              <a:rPr kumimoji="1" lang="ja-JP" altLang="en-US" dirty="0"/>
+              <a:t>クラス</a:t>
+            </a:r>
+          </a:p>
+        </p:txBody>
+      </p:sp>
+      <p:sp>
+        <p:nvSpPr>
+          <p:cNvPr id="19" name="四角形: 角を丸くする 18">
+            <a:extLst>
+              <a:ext uri="{FF2B5EF4-FFF2-40B4-BE49-F238E27FC236}">
+                <a16:creationId xmlns:a16="http://schemas.microsoft.com/office/drawing/2014/main" id="{697CC97A-96EA-6253-0859-72A8D105ACAE}"/>
+              </a:ext>
+            </a:extLst>
+          </p:cNvPr>
+          <p:cNvSpPr/>
+          <p:nvPr/>
+        </p:nvSpPr>
+        <p:spPr>
+          <a:xfrm>
+            <a:off x="1500874" y="72570"/>
+            <a:ext cx="3003089" cy="957944"/>
+          </a:xfrm>
+          <a:prstGeom prst="roundRect">
+            <a:avLst/>
+          </a:prstGeom>
+        </p:spPr>
+        <p:style>
+          <a:lnRef idx="2">
+            <a:schemeClr val="accent6"/>
+          </a:lnRef>
+          <a:fillRef idx="1">
+            <a:schemeClr val="lt1"/>
+          </a:fillRef>
+          <a:effectRef idx="0">
+            <a:schemeClr val="accent6"/>
+          </a:effectRef>
+          <a:fontRef idx="minor">
+            <a:schemeClr val="dk1"/>
+          </a:fontRef>
+        </p:style>
+        <p:txBody>
+          <a:bodyPr rtlCol="0" anchor="ctr"/>
+          <a:lstStyle/>
+          <a:p>
+            <a:pPr algn="ctr"/>
+            <a:r>
+              <a:rPr kumimoji="1" lang="ja-JP" altLang="en-US" dirty="0"/>
+              <a:t>エネミーから集団制御クラスにメタ</a:t>
+            </a:r>
+            <a:r>
+              <a:rPr kumimoji="1" lang="en-US" altLang="ja-JP" dirty="0"/>
+              <a:t>AI</a:t>
+            </a:r>
+            <a:r>
+              <a:rPr kumimoji="1" lang="ja-JP" altLang="en-US" dirty="0"/>
+              <a:t>実行指示を飛ばす</a:t>
+            </a:r>
+          </a:p>
+        </p:txBody>
+      </p:sp>
+      <p:cxnSp>
+        <p:nvCxnSpPr>
+          <p:cNvPr id="24" name="直線矢印コネクタ 23">
+            <a:extLst>
+              <a:ext uri="{FF2B5EF4-FFF2-40B4-BE49-F238E27FC236}">
+                <a16:creationId xmlns:a16="http://schemas.microsoft.com/office/drawing/2014/main" id="{DE88ADF9-27DF-6E3F-0CA6-E55ABA885E6C}"/>
+              </a:ext>
+            </a:extLst>
+          </p:cNvPr>
+          <p:cNvCxnSpPr>
+            <a:cxnSpLocks/>
+            <a:stCxn id="19" idx="3"/>
+            <a:endCxn id="4" idx="1"/>
+          </p:cNvCxnSpPr>
+          <p:nvPr/>
+        </p:nvCxnSpPr>
+        <p:spPr>
+          <a:xfrm>
+            <a:off x="4503963" y="551542"/>
+            <a:ext cx="530679" cy="0"/>
+          </a:xfrm>
+          <a:prstGeom prst="straightConnector1">
+            <a:avLst/>
+          </a:prstGeom>
+          <a:ln>
+            <a:tailEnd type="triangle"/>
+          </a:ln>
+        </p:spPr>
+        <p:style>
+          <a:lnRef idx="1">
+            <a:schemeClr val="accent6"/>
+          </a:lnRef>
+          <a:fillRef idx="0">
+            <a:schemeClr val="accent6"/>
+          </a:fillRef>
+          <a:effectRef idx="0">
+            <a:schemeClr val="accent6"/>
+          </a:effectRef>
+          <a:fontRef idx="minor">
+            <a:schemeClr val="tx1"/>
+          </a:fontRef>
+        </p:style>
+      </p:cxnSp>
+      <p:cxnSp>
+        <p:nvCxnSpPr>
+          <p:cNvPr id="26" name="コネクタ: カギ線 25">
+            <a:extLst>
+              <a:ext uri="{FF2B5EF4-FFF2-40B4-BE49-F238E27FC236}">
+                <a16:creationId xmlns:a16="http://schemas.microsoft.com/office/drawing/2014/main" id="{CF0FE120-09FC-080B-848D-AF7F6EB03B57}"/>
+              </a:ext>
+            </a:extLst>
+          </p:cNvPr>
+          <p:cNvCxnSpPr>
+            <a:cxnSpLocks/>
+            <a:stCxn id="7" idx="1"/>
+            <a:endCxn id="19" idx="1"/>
+          </p:cNvCxnSpPr>
+          <p:nvPr/>
+        </p:nvCxnSpPr>
+        <p:spPr>
+          <a:xfrm rot="10800000" flipH="1">
+            <a:off x="1128484" y="551543"/>
+            <a:ext cx="372390" cy="5486403"/>
+          </a:xfrm>
+          <a:prstGeom prst="bentConnector3">
+            <a:avLst>
+              <a:gd name="adj1" fmla="val -61387"/>
+            </a:avLst>
+          </a:prstGeom>
+          <a:ln>
+            <a:tailEnd type="triangle"/>
+          </a:ln>
+        </p:spPr>
+        <p:style>
+          <a:lnRef idx="1">
+            <a:schemeClr val="accent6"/>
+          </a:lnRef>
+          <a:fillRef idx="0">
+            <a:schemeClr val="accent6"/>
+          </a:fillRef>
+          <a:effectRef idx="0">
+            <a:schemeClr val="accent6"/>
+          </a:effectRef>
+          <a:fontRef idx="minor">
+            <a:schemeClr val="tx1"/>
+          </a:fontRef>
+        </p:style>
+      </p:cxnSp>
+      <p:sp>
+        <p:nvSpPr>
+          <p:cNvPr id="28" name="四角形: 角を丸くする 27">
+            <a:extLst>
+              <a:ext uri="{FF2B5EF4-FFF2-40B4-BE49-F238E27FC236}">
+                <a16:creationId xmlns:a16="http://schemas.microsoft.com/office/drawing/2014/main" id="{A9122C0E-683A-0E90-46AC-8FDD5AA1A4FA}"/>
+              </a:ext>
+            </a:extLst>
+          </p:cNvPr>
+          <p:cNvSpPr/>
+          <p:nvPr/>
+        </p:nvSpPr>
+        <p:spPr>
+          <a:xfrm>
+            <a:off x="3523340" y="3655785"/>
+            <a:ext cx="5145315" cy="689428"/>
+          </a:xfrm>
+          <a:prstGeom prst="roundRect">
+            <a:avLst/>
+          </a:prstGeom>
+        </p:spPr>
+        <p:style>
+          <a:lnRef idx="2">
+            <a:schemeClr val="accent6"/>
+          </a:lnRef>
+          <a:fillRef idx="1">
+            <a:schemeClr val="lt1"/>
+          </a:fillRef>
+          <a:effectRef idx="0">
+            <a:schemeClr val="accent6"/>
+          </a:effectRef>
+          <a:fontRef idx="minor">
+            <a:schemeClr val="dk1"/>
+          </a:fontRef>
+        </p:style>
+        <p:txBody>
+          <a:bodyPr rtlCol="0" anchor="ctr"/>
+          <a:lstStyle/>
+          <a:p>
+            <a:pPr algn="ctr"/>
+            <a:r>
+              <a:rPr kumimoji="1" lang="ja-JP" altLang="en-US" dirty="0"/>
+              <a:t>エネミーを特定のステートに遷移させる</a:t>
+            </a:r>
+            <a:endParaRPr lang="en-US" altLang="ja-JP" dirty="0"/>
+          </a:p>
+          <a:p>
+            <a:pPr algn="ctr"/>
+            <a:r>
+              <a:rPr kumimoji="1" lang="ja-JP" altLang="en-US" dirty="0"/>
+              <a:t>または特定の処理を行う</a:t>
+            </a:r>
+            <a:endParaRPr kumimoji="1" lang="en-US" altLang="ja-JP" dirty="0"/>
+          </a:p>
+        </p:txBody>
+      </p:sp>
+      <p:cxnSp>
+        <p:nvCxnSpPr>
+          <p:cNvPr id="30" name="直線矢印コネクタ 29">
+            <a:extLst>
+              <a:ext uri="{FF2B5EF4-FFF2-40B4-BE49-F238E27FC236}">
+                <a16:creationId xmlns:a16="http://schemas.microsoft.com/office/drawing/2014/main" id="{4F36A20B-4851-DFCE-A2E3-BF01E4AA1F11}"/>
+              </a:ext>
+            </a:extLst>
+          </p:cNvPr>
+          <p:cNvCxnSpPr>
+            <a:cxnSpLocks/>
+            <a:stCxn id="2" idx="2"/>
+            <a:endCxn id="28" idx="0"/>
+          </p:cNvCxnSpPr>
+          <p:nvPr/>
+        </p:nvCxnSpPr>
+        <p:spPr>
+          <a:xfrm>
+            <a:off x="6095998" y="2962727"/>
+            <a:ext cx="0" cy="693058"/>
+          </a:xfrm>
+          <a:prstGeom prst="straightConnector1">
+            <a:avLst/>
+          </a:prstGeom>
+          <a:ln>
+            <a:tailEnd type="triangle"/>
+          </a:ln>
+        </p:spPr>
+        <p:style>
+          <a:lnRef idx="1">
+            <a:schemeClr val="accent6"/>
+          </a:lnRef>
+          <a:fillRef idx="0">
+            <a:schemeClr val="accent6"/>
+          </a:fillRef>
+          <a:effectRef idx="0">
+            <a:schemeClr val="accent6"/>
+          </a:effectRef>
+          <a:fontRef idx="minor">
+            <a:schemeClr val="tx1"/>
+          </a:fontRef>
+        </p:style>
+      </p:cxnSp>
+      <p:cxnSp>
+        <p:nvCxnSpPr>
+          <p:cNvPr id="33" name="コネクタ: カギ線 32">
+            <a:extLst>
+              <a:ext uri="{FF2B5EF4-FFF2-40B4-BE49-F238E27FC236}">
+                <a16:creationId xmlns:a16="http://schemas.microsoft.com/office/drawing/2014/main" id="{B6A0176E-72D3-284C-A86A-029CEAB153D8}"/>
+              </a:ext>
+            </a:extLst>
+          </p:cNvPr>
+          <p:cNvCxnSpPr>
+            <a:cxnSpLocks/>
+            <a:stCxn id="28" idx="2"/>
+            <a:endCxn id="7" idx="0"/>
+          </p:cNvCxnSpPr>
+          <p:nvPr/>
+        </p:nvCxnSpPr>
+        <p:spPr>
+          <a:xfrm rot="5400000">
+            <a:off x="3498848" y="3172279"/>
+            <a:ext cx="1424217" cy="3770085"/>
+          </a:xfrm>
+          <a:prstGeom prst="bentConnector3">
+            <a:avLst/>
+          </a:prstGeom>
+          <a:ln>
+            <a:tailEnd type="triangle"/>
+          </a:ln>
+        </p:spPr>
+        <p:style>
+          <a:lnRef idx="1">
+            <a:schemeClr val="accent6"/>
+          </a:lnRef>
+          <a:fillRef idx="0">
+            <a:schemeClr val="accent6"/>
+          </a:fillRef>
+          <a:effectRef idx="0">
+            <a:schemeClr val="accent6"/>
+          </a:effectRef>
+          <a:fontRef idx="minor">
+            <a:schemeClr val="tx1"/>
+          </a:fontRef>
+        </p:style>
+      </p:cxnSp>
+      <p:cxnSp>
+        <p:nvCxnSpPr>
+          <p:cNvPr id="35" name="コネクタ: カギ線 34">
+            <a:extLst>
+              <a:ext uri="{FF2B5EF4-FFF2-40B4-BE49-F238E27FC236}">
+                <a16:creationId xmlns:a16="http://schemas.microsoft.com/office/drawing/2014/main" id="{41EEFB92-981A-CE26-B60C-213F785F29EB}"/>
+              </a:ext>
+            </a:extLst>
+          </p:cNvPr>
+          <p:cNvCxnSpPr>
+            <a:cxnSpLocks/>
+            <a:stCxn id="28" idx="2"/>
+            <a:endCxn id="9" idx="0"/>
+          </p:cNvCxnSpPr>
+          <p:nvPr/>
+        </p:nvCxnSpPr>
+        <p:spPr>
+          <a:xfrm rot="16200000" flipH="1">
+            <a:off x="7277097" y="3164113"/>
+            <a:ext cx="1424217" cy="3786415"/>
+          </a:xfrm>
+          <a:prstGeom prst="bentConnector3">
+            <a:avLst>
+              <a:gd name="adj1" fmla="val 50000"/>
+            </a:avLst>
+          </a:prstGeom>
+          <a:ln>
+            <a:tailEnd type="triangle"/>
+          </a:ln>
+        </p:spPr>
+        <p:style>
+          <a:lnRef idx="1">
+            <a:schemeClr val="accent6"/>
+          </a:lnRef>
+          <a:fillRef idx="0">
+            <a:schemeClr val="accent6"/>
+          </a:fillRef>
+          <a:effectRef idx="0">
+            <a:schemeClr val="accent6"/>
+          </a:effectRef>
+          <a:fontRef idx="minor">
+            <a:schemeClr val="tx1"/>
+          </a:fontRef>
+        </p:style>
+      </p:cxnSp>
+      <p:cxnSp>
+        <p:nvCxnSpPr>
+          <p:cNvPr id="37" name="直線矢印コネクタ 36">
+            <a:extLst>
+              <a:ext uri="{FF2B5EF4-FFF2-40B4-BE49-F238E27FC236}">
+                <a16:creationId xmlns:a16="http://schemas.microsoft.com/office/drawing/2014/main" id="{309C5EFA-2DCB-D053-F762-1EF5BB0DFDD8}"/>
+              </a:ext>
+            </a:extLst>
+          </p:cNvPr>
+          <p:cNvCxnSpPr>
+            <a:cxnSpLocks/>
+            <a:stCxn id="28" idx="2"/>
+            <a:endCxn id="8" idx="0"/>
+          </p:cNvCxnSpPr>
+          <p:nvPr/>
+        </p:nvCxnSpPr>
+        <p:spPr>
+          <a:xfrm>
+            <a:off x="6095998" y="4345213"/>
+            <a:ext cx="0" cy="1424217"/>
+          </a:xfrm>
+          <a:prstGeom prst="straightConnector1">
+            <a:avLst/>
+          </a:prstGeom>
+          <a:ln>
+            <a:tailEnd type="triangle"/>
+          </a:ln>
+        </p:spPr>
+        <p:style>
+          <a:lnRef idx="1">
+            <a:schemeClr val="accent6"/>
+          </a:lnRef>
+          <a:fillRef idx="0">
+            <a:schemeClr val="accent6"/>
+          </a:fillRef>
+          <a:effectRef idx="0">
+            <a:schemeClr val="accent6"/>
+          </a:effectRef>
+          <a:fontRef idx="minor">
+            <a:schemeClr val="tx1"/>
+          </a:fontRef>
+        </p:style>
+      </p:cxnSp>
+      <p:sp>
+        <p:nvSpPr>
+          <p:cNvPr id="52" name="四角形: 角を丸くする 51">
+            <a:extLst>
+              <a:ext uri="{FF2B5EF4-FFF2-40B4-BE49-F238E27FC236}">
+                <a16:creationId xmlns:a16="http://schemas.microsoft.com/office/drawing/2014/main" id="{B129C363-4CE5-0986-A78B-0D56B895F86D}"/>
+              </a:ext>
+            </a:extLst>
+          </p:cNvPr>
+          <p:cNvSpPr/>
+          <p:nvPr/>
+        </p:nvSpPr>
+        <p:spPr>
+          <a:xfrm>
+            <a:off x="4085766" y="1256399"/>
+            <a:ext cx="4020461" cy="711192"/>
+          </a:xfrm>
+          <a:prstGeom prst="roundRect">
+            <a:avLst/>
+          </a:prstGeom>
+        </p:spPr>
+        <p:style>
+          <a:lnRef idx="2">
+            <a:schemeClr val="accent6"/>
+          </a:lnRef>
+          <a:fillRef idx="1">
+            <a:schemeClr val="lt1"/>
+          </a:fillRef>
+          <a:effectRef idx="0">
+            <a:schemeClr val="accent6"/>
+          </a:effectRef>
+          <a:fontRef idx="minor">
+            <a:schemeClr val="dk1"/>
+          </a:fontRef>
+        </p:style>
+        <p:txBody>
+          <a:bodyPr rtlCol="0" anchor="ctr"/>
+          <a:lstStyle/>
+          <a:p>
+            <a:pPr algn="ctr"/>
+            <a:r>
+              <a:rPr kumimoji="1" lang="ja-JP" altLang="en-US" dirty="0"/>
+              <a:t>エネミー記録クラスのアドレスからそれぞれのエネミーにアクセス</a:t>
+            </a:r>
+          </a:p>
+        </p:txBody>
+      </p:sp>
+      <p:cxnSp>
+        <p:nvCxnSpPr>
+          <p:cNvPr id="54" name="直線矢印コネクタ 53">
+            <a:extLst>
+              <a:ext uri="{FF2B5EF4-FFF2-40B4-BE49-F238E27FC236}">
+                <a16:creationId xmlns:a16="http://schemas.microsoft.com/office/drawing/2014/main" id="{D0FDB84E-912A-291D-D8A6-1DB0BE4F6F4E}"/>
+              </a:ext>
+            </a:extLst>
+          </p:cNvPr>
+          <p:cNvCxnSpPr>
+            <a:stCxn id="4" idx="2"/>
+            <a:endCxn id="52" idx="0"/>
+          </p:cNvCxnSpPr>
+          <p:nvPr/>
+        </p:nvCxnSpPr>
+        <p:spPr>
+          <a:xfrm flipH="1">
+            <a:off x="6095997" y="820056"/>
+            <a:ext cx="2" cy="436343"/>
+          </a:xfrm>
+          <a:prstGeom prst="straightConnector1">
+            <a:avLst/>
+          </a:prstGeom>
+          <a:ln>
+            <a:tailEnd type="triangle"/>
+          </a:ln>
+        </p:spPr>
+        <p:style>
+          <a:lnRef idx="1">
+            <a:schemeClr val="accent6"/>
+          </a:lnRef>
+          <a:fillRef idx="0">
+            <a:schemeClr val="accent6"/>
+          </a:fillRef>
+          <a:effectRef idx="0">
+            <a:schemeClr val="accent6"/>
+          </a:effectRef>
+          <a:fontRef idx="minor">
+            <a:schemeClr val="tx1"/>
+          </a:fontRef>
+        </p:style>
+      </p:cxnSp>
+      <p:cxnSp>
+        <p:nvCxnSpPr>
+          <p:cNvPr id="57" name="直線矢印コネクタ 56">
+            <a:extLst>
+              <a:ext uri="{FF2B5EF4-FFF2-40B4-BE49-F238E27FC236}">
+                <a16:creationId xmlns:a16="http://schemas.microsoft.com/office/drawing/2014/main" id="{C112CDB3-50ED-20D3-9DB7-C34D000A5418}"/>
+              </a:ext>
+            </a:extLst>
+          </p:cNvPr>
+          <p:cNvCxnSpPr>
+            <a:stCxn id="52" idx="2"/>
+            <a:endCxn id="2" idx="0"/>
+          </p:cNvCxnSpPr>
+          <p:nvPr/>
+        </p:nvCxnSpPr>
+        <p:spPr>
+          <a:xfrm>
+            <a:off x="6095997" y="1967591"/>
+            <a:ext cx="1" cy="458107"/>
+          </a:xfrm>
+          <a:prstGeom prst="straightConnector1">
+            <a:avLst/>
+          </a:prstGeom>
+          <a:ln>
+            <a:tailEnd type="triangle"/>
+          </a:ln>
+        </p:spPr>
+        <p:style>
+          <a:lnRef idx="1">
+            <a:schemeClr val="accent6"/>
+          </a:lnRef>
+          <a:fillRef idx="0">
+            <a:schemeClr val="accent6"/>
+          </a:fillRef>
+          <a:effectRef idx="0">
+            <a:schemeClr val="accent6"/>
+          </a:effectRef>
+          <a:fontRef idx="minor">
+            <a:schemeClr val="tx1"/>
+          </a:fontRef>
+        </p:style>
+      </p:cxnSp>
+      <p:sp>
+        <p:nvSpPr>
+          <p:cNvPr id="64" name="四角形: 角を丸くする 63">
+            <a:extLst>
+              <a:ext uri="{FF2B5EF4-FFF2-40B4-BE49-F238E27FC236}">
+                <a16:creationId xmlns:a16="http://schemas.microsoft.com/office/drawing/2014/main" id="{E0EE5B1F-CCD5-5DFE-C85B-0F2E70B593E9}"/>
+              </a:ext>
+            </a:extLst>
+          </p:cNvPr>
+          <p:cNvSpPr/>
+          <p:nvPr/>
+        </p:nvSpPr>
+        <p:spPr>
+          <a:xfrm>
+            <a:off x="10300145" y="196656"/>
+            <a:ext cx="1618340" cy="435427"/>
+          </a:xfrm>
+          <a:prstGeom prst="roundRect">
+            <a:avLst/>
+          </a:prstGeom>
+        </p:spPr>
+        <p:style>
+          <a:lnRef idx="2">
+            <a:schemeClr val="accent1">
+              <a:shade val="15000"/>
+            </a:schemeClr>
+          </a:lnRef>
+          <a:fillRef idx="1">
+            <a:schemeClr val="accent1"/>
+          </a:fillRef>
+          <a:effectRef idx="0">
+            <a:schemeClr val="accent1"/>
+          </a:effectRef>
+          <a:fontRef idx="minor">
+            <a:schemeClr val="lt1"/>
+          </a:fontRef>
+        </p:style>
+        <p:txBody>
+          <a:bodyPr rtlCol="0" anchor="ctr"/>
+          <a:lstStyle/>
+          <a:p>
+            <a:pPr algn="ctr"/>
+            <a:r>
+              <a:rPr kumimoji="1" lang="ja-JP" altLang="en-US" dirty="0"/>
+              <a:t>クラス：変数</a:t>
+            </a:r>
+          </a:p>
+        </p:txBody>
+      </p:sp>
+      <p:sp>
+        <p:nvSpPr>
+          <p:cNvPr id="65" name="四角形: 角を丸くする 64">
+            <a:extLst>
+              <a:ext uri="{FF2B5EF4-FFF2-40B4-BE49-F238E27FC236}">
+                <a16:creationId xmlns:a16="http://schemas.microsoft.com/office/drawing/2014/main" id="{2A3F697D-E862-B455-C3C7-800E5AB0A9EF}"/>
+              </a:ext>
+            </a:extLst>
+          </p:cNvPr>
+          <p:cNvSpPr/>
+          <p:nvPr/>
+        </p:nvSpPr>
+        <p:spPr>
+          <a:xfrm>
+            <a:off x="10300145" y="857895"/>
+            <a:ext cx="1618340" cy="398504"/>
+          </a:xfrm>
+          <a:prstGeom prst="roundRect">
+            <a:avLst/>
+          </a:prstGeom>
+        </p:spPr>
+        <p:style>
+          <a:lnRef idx="2">
+            <a:schemeClr val="accent6"/>
+          </a:lnRef>
+          <a:fillRef idx="1">
+            <a:schemeClr val="lt1"/>
+          </a:fillRef>
+          <a:effectRef idx="0">
+            <a:schemeClr val="accent6"/>
+          </a:effectRef>
+          <a:fontRef idx="minor">
+            <a:schemeClr val="dk1"/>
+          </a:fontRef>
+        </p:style>
+        <p:txBody>
+          <a:bodyPr rtlCol="0" anchor="ctr"/>
+          <a:lstStyle/>
+          <a:p>
+            <a:pPr algn="ctr"/>
+            <a:r>
+              <a:rPr kumimoji="1" lang="ja-JP" altLang="en-US" dirty="0"/>
+              <a:t>処理</a:t>
+            </a:r>
+          </a:p>
+        </p:txBody>
+      </p:sp>
+    </p:spTree>
+    <p:extLst>
+      <p:ext uri="{BB962C8B-B14F-4D97-AF65-F5344CB8AC3E}">
+        <p14:creationId xmlns:p14="http://schemas.microsoft.com/office/powerpoint/2010/main" val="2005135796"/>
       </p:ext>
     </p:extLst>
   </p:cSld>

--- a/portfolio/ポートフォリオ図式.pptx
+++ b/portfolio/ポートフォリオ図式.pptx
@@ -260,7 +260,7 @@
           <a:p>
             <a:fld id="{4EA544F9-4FC0-4ED3-AB49-904DEFABDFFB}" type="datetimeFigureOut">
               <a:rPr kumimoji="1" lang="ja-JP" altLang="en-US" smtClean="0"/>
-              <a:t>2025/1/22</a:t>
+              <a:t>2025/1/24</a:t>
             </a:fld>
             <a:endParaRPr kumimoji="1" lang="ja-JP" altLang="en-US"/>
           </a:p>
@@ -490,7 +490,7 @@
           <a:p>
             <a:fld id="{4EA544F9-4FC0-4ED3-AB49-904DEFABDFFB}" type="datetimeFigureOut">
               <a:rPr kumimoji="1" lang="ja-JP" altLang="en-US" smtClean="0"/>
-              <a:t>2025/1/22</a:t>
+              <a:t>2025/1/24</a:t>
             </a:fld>
             <a:endParaRPr kumimoji="1" lang="ja-JP" altLang="en-US"/>
           </a:p>
@@ -730,7 +730,7 @@
           <a:p>
             <a:fld id="{4EA544F9-4FC0-4ED3-AB49-904DEFABDFFB}" type="datetimeFigureOut">
               <a:rPr kumimoji="1" lang="ja-JP" altLang="en-US" smtClean="0"/>
-              <a:t>2025/1/22</a:t>
+              <a:t>2025/1/24</a:t>
             </a:fld>
             <a:endParaRPr kumimoji="1" lang="ja-JP" altLang="en-US"/>
           </a:p>
@@ -960,7 +960,7 @@
           <a:p>
             <a:fld id="{4EA544F9-4FC0-4ED3-AB49-904DEFABDFFB}" type="datetimeFigureOut">
               <a:rPr kumimoji="1" lang="ja-JP" altLang="en-US" smtClean="0"/>
-              <a:t>2025/1/22</a:t>
+              <a:t>2025/1/24</a:t>
             </a:fld>
             <a:endParaRPr kumimoji="1" lang="ja-JP" altLang="en-US"/>
           </a:p>
@@ -1235,7 +1235,7 @@
           <a:p>
             <a:fld id="{4EA544F9-4FC0-4ED3-AB49-904DEFABDFFB}" type="datetimeFigureOut">
               <a:rPr kumimoji="1" lang="ja-JP" altLang="en-US" smtClean="0"/>
-              <a:t>2025/1/22</a:t>
+              <a:t>2025/1/24</a:t>
             </a:fld>
             <a:endParaRPr kumimoji="1" lang="ja-JP" altLang="en-US"/>
           </a:p>
@@ -1564,7 +1564,7 @@
           <a:p>
             <a:fld id="{4EA544F9-4FC0-4ED3-AB49-904DEFABDFFB}" type="datetimeFigureOut">
               <a:rPr kumimoji="1" lang="ja-JP" altLang="en-US" smtClean="0"/>
-              <a:t>2025/1/22</a:t>
+              <a:t>2025/1/24</a:t>
             </a:fld>
             <a:endParaRPr kumimoji="1" lang="ja-JP" altLang="en-US"/>
           </a:p>
@@ -2040,7 +2040,7 @@
           <a:p>
             <a:fld id="{4EA544F9-4FC0-4ED3-AB49-904DEFABDFFB}" type="datetimeFigureOut">
               <a:rPr kumimoji="1" lang="ja-JP" altLang="en-US" smtClean="0"/>
-              <a:t>2025/1/22</a:t>
+              <a:t>2025/1/24</a:t>
             </a:fld>
             <a:endParaRPr kumimoji="1" lang="ja-JP" altLang="en-US"/>
           </a:p>
@@ -2181,7 +2181,7 @@
           <a:p>
             <a:fld id="{4EA544F9-4FC0-4ED3-AB49-904DEFABDFFB}" type="datetimeFigureOut">
               <a:rPr kumimoji="1" lang="ja-JP" altLang="en-US" smtClean="0"/>
-              <a:t>2025/1/22</a:t>
+              <a:t>2025/1/24</a:t>
             </a:fld>
             <a:endParaRPr kumimoji="1" lang="ja-JP" altLang="en-US"/>
           </a:p>
@@ -2294,7 +2294,7 @@
           <a:p>
             <a:fld id="{4EA544F9-4FC0-4ED3-AB49-904DEFABDFFB}" type="datetimeFigureOut">
               <a:rPr kumimoji="1" lang="ja-JP" altLang="en-US" smtClean="0"/>
-              <a:t>2025/1/22</a:t>
+              <a:t>2025/1/24</a:t>
             </a:fld>
             <a:endParaRPr kumimoji="1" lang="ja-JP" altLang="en-US"/>
           </a:p>
@@ -2637,7 +2637,7 @@
           <a:p>
             <a:fld id="{4EA544F9-4FC0-4ED3-AB49-904DEFABDFFB}" type="datetimeFigureOut">
               <a:rPr kumimoji="1" lang="ja-JP" altLang="en-US" smtClean="0"/>
-              <a:t>2025/1/22</a:t>
+              <a:t>2025/1/24</a:t>
             </a:fld>
             <a:endParaRPr kumimoji="1" lang="ja-JP" altLang="en-US"/>
           </a:p>
@@ -2925,7 +2925,7 @@
           <a:p>
             <a:fld id="{4EA544F9-4FC0-4ED3-AB49-904DEFABDFFB}" type="datetimeFigureOut">
               <a:rPr kumimoji="1" lang="ja-JP" altLang="en-US" smtClean="0"/>
-              <a:t>2025/1/22</a:t>
+              <a:t>2025/1/24</a:t>
             </a:fld>
             <a:endParaRPr kumimoji="1" lang="ja-JP" altLang="en-US"/>
           </a:p>
@@ -3198,7 +3198,7 @@
           <a:p>
             <a:fld id="{4EA544F9-4FC0-4ED3-AB49-904DEFABDFFB}" type="datetimeFigureOut">
               <a:rPr kumimoji="1" lang="ja-JP" altLang="en-US" smtClean="0"/>
-              <a:t>2025/1/22</a:t>
+              <a:t>2025/1/24</a:t>
             </a:fld>
             <a:endParaRPr kumimoji="1" lang="ja-JP" altLang="en-US"/>
           </a:p>
@@ -4341,13 +4341,14 @@
           <p:cNvCxnSpPr>
             <a:cxnSpLocks/>
             <a:stCxn id="56" idx="3"/>
+            <a:endCxn id="5" idx="1"/>
           </p:cNvCxnSpPr>
           <p:nvPr/>
         </p:nvCxnSpPr>
         <p:spPr>
           <a:xfrm>
             <a:off x="9789888" y="3840582"/>
-            <a:ext cx="2325555" cy="0"/>
+            <a:ext cx="1705427" cy="6998"/>
           </a:xfrm>
           <a:prstGeom prst="straightConnector1">
             <a:avLst/>

--- a/portfolio/ポートフォリオ図式.pptx
+++ b/portfolio/ポートフォリオ図式.pptx
@@ -7,6 +7,7 @@
   <p:sldIdLst>
     <p:sldId id="256" r:id="rId2"/>
     <p:sldId id="257" r:id="rId3"/>
+    <p:sldId id="258" r:id="rId4"/>
   </p:sldIdLst>
   <p:sldSz cx="12192000" cy="6858000"/>
   <p:notesSz cx="6858000" cy="9144000"/>
@@ -260,7 +261,7 @@
           <a:p>
             <a:fld id="{4EA544F9-4FC0-4ED3-AB49-904DEFABDFFB}" type="datetimeFigureOut">
               <a:rPr kumimoji="1" lang="ja-JP" altLang="en-US" smtClean="0"/>
-              <a:t>2025/1/24</a:t>
+              <a:t>2025/2/15</a:t>
             </a:fld>
             <a:endParaRPr kumimoji="1" lang="ja-JP" altLang="en-US"/>
           </a:p>
@@ -490,7 +491,7 @@
           <a:p>
             <a:fld id="{4EA544F9-4FC0-4ED3-AB49-904DEFABDFFB}" type="datetimeFigureOut">
               <a:rPr kumimoji="1" lang="ja-JP" altLang="en-US" smtClean="0"/>
-              <a:t>2025/1/24</a:t>
+              <a:t>2025/2/15</a:t>
             </a:fld>
             <a:endParaRPr kumimoji="1" lang="ja-JP" altLang="en-US"/>
           </a:p>
@@ -730,7 +731,7 @@
           <a:p>
             <a:fld id="{4EA544F9-4FC0-4ED3-AB49-904DEFABDFFB}" type="datetimeFigureOut">
               <a:rPr kumimoji="1" lang="ja-JP" altLang="en-US" smtClean="0"/>
-              <a:t>2025/1/24</a:t>
+              <a:t>2025/2/15</a:t>
             </a:fld>
             <a:endParaRPr kumimoji="1" lang="ja-JP" altLang="en-US"/>
           </a:p>
@@ -960,7 +961,7 @@
           <a:p>
             <a:fld id="{4EA544F9-4FC0-4ED3-AB49-904DEFABDFFB}" type="datetimeFigureOut">
               <a:rPr kumimoji="1" lang="ja-JP" altLang="en-US" smtClean="0"/>
-              <a:t>2025/1/24</a:t>
+              <a:t>2025/2/15</a:t>
             </a:fld>
             <a:endParaRPr kumimoji="1" lang="ja-JP" altLang="en-US"/>
           </a:p>
@@ -1235,7 +1236,7 @@
           <a:p>
             <a:fld id="{4EA544F9-4FC0-4ED3-AB49-904DEFABDFFB}" type="datetimeFigureOut">
               <a:rPr kumimoji="1" lang="ja-JP" altLang="en-US" smtClean="0"/>
-              <a:t>2025/1/24</a:t>
+              <a:t>2025/2/15</a:t>
             </a:fld>
             <a:endParaRPr kumimoji="1" lang="ja-JP" altLang="en-US"/>
           </a:p>
@@ -1564,7 +1565,7 @@
           <a:p>
             <a:fld id="{4EA544F9-4FC0-4ED3-AB49-904DEFABDFFB}" type="datetimeFigureOut">
               <a:rPr kumimoji="1" lang="ja-JP" altLang="en-US" smtClean="0"/>
-              <a:t>2025/1/24</a:t>
+              <a:t>2025/2/15</a:t>
             </a:fld>
             <a:endParaRPr kumimoji="1" lang="ja-JP" altLang="en-US"/>
           </a:p>
@@ -2040,7 +2041,7 @@
           <a:p>
             <a:fld id="{4EA544F9-4FC0-4ED3-AB49-904DEFABDFFB}" type="datetimeFigureOut">
               <a:rPr kumimoji="1" lang="ja-JP" altLang="en-US" smtClean="0"/>
-              <a:t>2025/1/24</a:t>
+              <a:t>2025/2/15</a:t>
             </a:fld>
             <a:endParaRPr kumimoji="1" lang="ja-JP" altLang="en-US"/>
           </a:p>
@@ -2181,7 +2182,7 @@
           <a:p>
             <a:fld id="{4EA544F9-4FC0-4ED3-AB49-904DEFABDFFB}" type="datetimeFigureOut">
               <a:rPr kumimoji="1" lang="ja-JP" altLang="en-US" smtClean="0"/>
-              <a:t>2025/1/24</a:t>
+              <a:t>2025/2/15</a:t>
             </a:fld>
             <a:endParaRPr kumimoji="1" lang="ja-JP" altLang="en-US"/>
           </a:p>
@@ -2294,7 +2295,7 @@
           <a:p>
             <a:fld id="{4EA544F9-4FC0-4ED3-AB49-904DEFABDFFB}" type="datetimeFigureOut">
               <a:rPr kumimoji="1" lang="ja-JP" altLang="en-US" smtClean="0"/>
-              <a:t>2025/1/24</a:t>
+              <a:t>2025/2/15</a:t>
             </a:fld>
             <a:endParaRPr kumimoji="1" lang="ja-JP" altLang="en-US"/>
           </a:p>
@@ -2637,7 +2638,7 @@
           <a:p>
             <a:fld id="{4EA544F9-4FC0-4ED3-AB49-904DEFABDFFB}" type="datetimeFigureOut">
               <a:rPr kumimoji="1" lang="ja-JP" altLang="en-US" smtClean="0"/>
-              <a:t>2025/1/24</a:t>
+              <a:t>2025/2/15</a:t>
             </a:fld>
             <a:endParaRPr kumimoji="1" lang="ja-JP" altLang="en-US"/>
           </a:p>
@@ -2925,7 +2926,7 @@
           <a:p>
             <a:fld id="{4EA544F9-4FC0-4ED3-AB49-904DEFABDFFB}" type="datetimeFigureOut">
               <a:rPr kumimoji="1" lang="ja-JP" altLang="en-US" smtClean="0"/>
-              <a:t>2025/1/24</a:t>
+              <a:t>2025/2/15</a:t>
             </a:fld>
             <a:endParaRPr kumimoji="1" lang="ja-JP" altLang="en-US"/>
           </a:p>
@@ -3198,7 +3199,7 @@
           <a:p>
             <a:fld id="{4EA544F9-4FC0-4ED3-AB49-904DEFABDFFB}" type="datetimeFigureOut">
               <a:rPr kumimoji="1" lang="ja-JP" altLang="en-US" smtClean="0"/>
-              <a:t>2025/1/24</a:t>
+              <a:t>2025/2/15</a:t>
             </a:fld>
             <a:endParaRPr kumimoji="1" lang="ja-JP" altLang="en-US"/>
           </a:p>
@@ -5633,6 +5634,837 @@
     <p:extLst>
       <p:ext uri="{BB962C8B-B14F-4D97-AF65-F5344CB8AC3E}">
         <p14:creationId xmlns:p14="http://schemas.microsoft.com/office/powerpoint/2010/main" val="2005135796"/>
+      </p:ext>
+    </p:extLst>
+  </p:cSld>
+  <p:clrMapOvr>
+    <a:masterClrMapping/>
+  </p:clrMapOvr>
+</p:sld>
+</file>
+
+<file path=ppt/slides/slide3.xml><?xml version="1.0" encoding="utf-8"?>
+<p:sld xmlns:a="http://schemas.openxmlformats.org/drawingml/2006/main" xmlns:r="http://schemas.openxmlformats.org/officeDocument/2006/relationships" xmlns:p="http://schemas.openxmlformats.org/presentationml/2006/main">
+  <p:cSld>
+    <p:spTree>
+      <p:nvGrpSpPr>
+        <p:cNvPr id="1" name=""/>
+        <p:cNvGrpSpPr/>
+        <p:nvPr/>
+      </p:nvGrpSpPr>
+      <p:grpSpPr>
+        <a:xfrm>
+          <a:off x="0" y="0"/>
+          <a:ext cx="0" cy="0"/>
+          <a:chOff x="0" y="0"/>
+          <a:chExt cx="0" cy="0"/>
+        </a:xfrm>
+      </p:grpSpPr>
+      <p:sp>
+        <p:nvSpPr>
+          <p:cNvPr id="2" name="楕円 1">
+            <a:extLst>
+              <a:ext uri="{FF2B5EF4-FFF2-40B4-BE49-F238E27FC236}">
+                <a16:creationId xmlns:a16="http://schemas.microsoft.com/office/drawing/2014/main" id="{2B150A58-8551-874C-7117-C9A0F370433E}"/>
+              </a:ext>
+            </a:extLst>
+          </p:cNvPr>
+          <p:cNvSpPr/>
+          <p:nvPr/>
+        </p:nvSpPr>
+        <p:spPr>
+          <a:xfrm>
+            <a:off x="5495636" y="2828636"/>
+            <a:ext cx="1200727" cy="1200727"/>
+          </a:xfrm>
+          <a:prstGeom prst="ellipse">
+            <a:avLst/>
+          </a:prstGeom>
+        </p:spPr>
+        <p:style>
+          <a:lnRef idx="2">
+            <a:schemeClr val="dk1"/>
+          </a:lnRef>
+          <a:fillRef idx="1">
+            <a:schemeClr val="lt1"/>
+          </a:fillRef>
+          <a:effectRef idx="0">
+            <a:schemeClr val="dk1"/>
+          </a:effectRef>
+          <a:fontRef idx="minor">
+            <a:schemeClr val="dk1"/>
+          </a:fontRef>
+        </p:style>
+        <p:txBody>
+          <a:bodyPr rtlCol="0" anchor="ctr"/>
+          <a:lstStyle/>
+          <a:p>
+            <a:pPr algn="ctr"/>
+            <a:r>
+              <a:rPr kumimoji="1" lang="en-US" altLang="ja-JP" dirty="0"/>
+              <a:t>Player</a:t>
+            </a:r>
+            <a:endParaRPr kumimoji="1" lang="ja-JP" altLang="en-US" dirty="0"/>
+          </a:p>
+        </p:txBody>
+      </p:sp>
+      <p:cxnSp>
+        <p:nvCxnSpPr>
+          <p:cNvPr id="6" name="直線矢印コネクタ 5">
+            <a:extLst>
+              <a:ext uri="{FF2B5EF4-FFF2-40B4-BE49-F238E27FC236}">
+                <a16:creationId xmlns:a16="http://schemas.microsoft.com/office/drawing/2014/main" id="{B51B6275-6928-0C31-D6F7-B45E4D402827}"/>
+              </a:ext>
+            </a:extLst>
+          </p:cNvPr>
+          <p:cNvCxnSpPr>
+            <a:cxnSpLocks/>
+            <a:stCxn id="10" idx="7"/>
+            <a:endCxn id="2" idx="3"/>
+          </p:cNvCxnSpPr>
+          <p:nvPr/>
+        </p:nvCxnSpPr>
+        <p:spPr>
+          <a:xfrm flipV="1">
+            <a:off x="3958413" y="3853521"/>
+            <a:ext cx="1713065" cy="1628745"/>
+          </a:xfrm>
+          <a:prstGeom prst="straightConnector1">
+            <a:avLst/>
+          </a:prstGeom>
+          <a:ln>
+            <a:tailEnd type="triangle"/>
+          </a:ln>
+        </p:spPr>
+        <p:style>
+          <a:lnRef idx="2">
+            <a:schemeClr val="accent1"/>
+          </a:lnRef>
+          <a:fillRef idx="0">
+            <a:schemeClr val="accent1"/>
+          </a:fillRef>
+          <a:effectRef idx="1">
+            <a:schemeClr val="accent1"/>
+          </a:effectRef>
+          <a:fontRef idx="minor">
+            <a:schemeClr val="tx1"/>
+          </a:fontRef>
+        </p:style>
+      </p:cxnSp>
+      <p:sp>
+        <p:nvSpPr>
+          <p:cNvPr id="8" name="正方形/長方形 7">
+            <a:extLst>
+              <a:ext uri="{FF2B5EF4-FFF2-40B4-BE49-F238E27FC236}">
+                <a16:creationId xmlns:a16="http://schemas.microsoft.com/office/drawing/2014/main" id="{2813296A-471B-2F39-34AB-CDA84CCDE878}"/>
+              </a:ext>
+            </a:extLst>
+          </p:cNvPr>
+          <p:cNvSpPr/>
+          <p:nvPr/>
+        </p:nvSpPr>
+        <p:spPr>
+          <a:xfrm rot="2700000">
+            <a:off x="3602828" y="4523156"/>
+            <a:ext cx="2318327" cy="304800"/>
+          </a:xfrm>
+          <a:prstGeom prst="rect">
+            <a:avLst/>
+          </a:prstGeom>
+          <a:ln>
+            <a:headEnd type="none" w="med" len="med"/>
+            <a:tailEnd type="none" w="med" len="med"/>
+          </a:ln>
+        </p:spPr>
+        <p:style>
+          <a:lnRef idx="1">
+            <a:schemeClr val="accent2"/>
+          </a:lnRef>
+          <a:fillRef idx="3">
+            <a:schemeClr val="accent2"/>
+          </a:fillRef>
+          <a:effectRef idx="2">
+            <a:schemeClr val="accent2"/>
+          </a:effectRef>
+          <a:fontRef idx="minor">
+            <a:schemeClr val="lt1"/>
+          </a:fontRef>
+        </p:style>
+        <p:txBody>
+          <a:bodyPr rtlCol="0" anchor="ctr"/>
+          <a:lstStyle/>
+          <a:p>
+            <a:pPr algn="ctr"/>
+            <a:r>
+              <a:rPr kumimoji="1" lang="ja-JP" altLang="en-US" dirty="0"/>
+              <a:t>壁</a:t>
+            </a:r>
+          </a:p>
+        </p:txBody>
+      </p:sp>
+      <p:sp>
+        <p:nvSpPr>
+          <p:cNvPr id="10" name="楕円 9">
+            <a:extLst>
+              <a:ext uri="{FF2B5EF4-FFF2-40B4-BE49-F238E27FC236}">
+                <a16:creationId xmlns:a16="http://schemas.microsoft.com/office/drawing/2014/main" id="{0E105DD7-5347-890F-AE2A-192B972D3784}"/>
+              </a:ext>
+            </a:extLst>
+          </p:cNvPr>
+          <p:cNvSpPr/>
+          <p:nvPr/>
+        </p:nvSpPr>
+        <p:spPr>
+          <a:xfrm>
+            <a:off x="2697017" y="5265845"/>
+            <a:ext cx="1477817" cy="1477817"/>
+          </a:xfrm>
+          <a:prstGeom prst="ellipse">
+            <a:avLst/>
+          </a:prstGeom>
+        </p:spPr>
+        <p:style>
+          <a:lnRef idx="2">
+            <a:schemeClr val="accent1">
+              <a:shade val="15000"/>
+            </a:schemeClr>
+          </a:lnRef>
+          <a:fillRef idx="1">
+            <a:schemeClr val="accent1"/>
+          </a:fillRef>
+          <a:effectRef idx="0">
+            <a:schemeClr val="accent1"/>
+          </a:effectRef>
+          <a:fontRef idx="minor">
+            <a:schemeClr val="lt1"/>
+          </a:fontRef>
+        </p:style>
+        <p:txBody>
+          <a:bodyPr rtlCol="0" anchor="ctr"/>
+          <a:lstStyle/>
+          <a:p>
+            <a:pPr algn="ctr"/>
+            <a:r>
+              <a:rPr kumimoji="1" lang="en-US" altLang="ja-JP" sz="1600" dirty="0"/>
+              <a:t>Creature</a:t>
+            </a:r>
+            <a:endParaRPr kumimoji="1" lang="ja-JP" altLang="en-US" sz="1600" dirty="0"/>
+          </a:p>
+        </p:txBody>
+      </p:sp>
+      <p:sp>
+        <p:nvSpPr>
+          <p:cNvPr id="16" name="テキスト ボックス 15">
+            <a:extLst>
+              <a:ext uri="{FF2B5EF4-FFF2-40B4-BE49-F238E27FC236}">
+                <a16:creationId xmlns:a16="http://schemas.microsoft.com/office/drawing/2014/main" id="{1FBB9495-E6E1-1BAD-9B34-9E6FBB4E582F}"/>
+              </a:ext>
+            </a:extLst>
+          </p:cNvPr>
+          <p:cNvSpPr txBox="1"/>
+          <p:nvPr/>
+        </p:nvSpPr>
+        <p:spPr>
+          <a:xfrm>
+            <a:off x="665017" y="3224089"/>
+            <a:ext cx="2586180" cy="1200329"/>
+          </a:xfrm>
+          <a:prstGeom prst="rect">
+            <a:avLst/>
+          </a:prstGeom>
+        </p:spPr>
+        <p:style>
+          <a:lnRef idx="2">
+            <a:schemeClr val="dk1"/>
+          </a:lnRef>
+          <a:fillRef idx="1">
+            <a:schemeClr val="lt1"/>
+          </a:fillRef>
+          <a:effectRef idx="0">
+            <a:schemeClr val="dk1"/>
+          </a:effectRef>
+          <a:fontRef idx="minor">
+            <a:schemeClr val="dk1"/>
+          </a:fontRef>
+        </p:style>
+        <p:txBody>
+          <a:bodyPr wrap="square" rtlCol="0">
+            <a:spAutoFit/>
+          </a:bodyPr>
+          <a:lstStyle/>
+          <a:p>
+            <a:r>
+              <a:rPr lang="ja-JP" altLang="en-US" dirty="0"/>
+              <a:t>コライダー</a:t>
+            </a:r>
+            <a:r>
+              <a:rPr kumimoji="1" lang="ja-JP" altLang="en-US" dirty="0"/>
+              <a:t>で壁があるか判定し壁があれば累乗数値を足音が聞こえにくくなるように変更。</a:t>
+            </a:r>
+          </a:p>
+        </p:txBody>
+      </p:sp>
+      <p:cxnSp>
+        <p:nvCxnSpPr>
+          <p:cNvPr id="18" name="直線矢印コネクタ 17">
+            <a:extLst>
+              <a:ext uri="{FF2B5EF4-FFF2-40B4-BE49-F238E27FC236}">
+                <a16:creationId xmlns:a16="http://schemas.microsoft.com/office/drawing/2014/main" id="{98624A0C-64CA-046D-3F08-6C69656DC2ED}"/>
+              </a:ext>
+            </a:extLst>
+          </p:cNvPr>
+          <p:cNvCxnSpPr>
+            <a:cxnSpLocks/>
+            <a:stCxn id="16" idx="2"/>
+            <a:endCxn id="22" idx="2"/>
+          </p:cNvCxnSpPr>
+          <p:nvPr/>
+        </p:nvCxnSpPr>
+        <p:spPr>
+          <a:xfrm>
+            <a:off x="1958107" y="4424418"/>
+            <a:ext cx="2316996" cy="536206"/>
+          </a:xfrm>
+          <a:prstGeom prst="straightConnector1">
+            <a:avLst/>
+          </a:prstGeom>
+          <a:ln>
+            <a:tailEnd type="triangle"/>
+          </a:ln>
+        </p:spPr>
+        <p:style>
+          <a:lnRef idx="2">
+            <a:schemeClr val="dk1"/>
+          </a:lnRef>
+          <a:fillRef idx="0">
+            <a:schemeClr val="dk1"/>
+          </a:fillRef>
+          <a:effectRef idx="1">
+            <a:schemeClr val="dk1"/>
+          </a:effectRef>
+          <a:fontRef idx="minor">
+            <a:schemeClr val="tx1"/>
+          </a:fontRef>
+        </p:style>
+      </p:cxnSp>
+      <p:sp>
+        <p:nvSpPr>
+          <p:cNvPr id="22" name="楕円 21">
+            <a:extLst>
+              <a:ext uri="{FF2B5EF4-FFF2-40B4-BE49-F238E27FC236}">
+                <a16:creationId xmlns:a16="http://schemas.microsoft.com/office/drawing/2014/main" id="{899C757A-389D-D1C3-DBED-15B99DD3B401}"/>
+              </a:ext>
+            </a:extLst>
+          </p:cNvPr>
+          <p:cNvSpPr/>
+          <p:nvPr/>
+        </p:nvSpPr>
+        <p:spPr>
+          <a:xfrm>
+            <a:off x="4275103" y="4738530"/>
+            <a:ext cx="444187" cy="444187"/>
+          </a:xfrm>
+          <a:prstGeom prst="ellipse">
+            <a:avLst/>
+          </a:prstGeom>
+          <a:noFill/>
+          <a:ln w="9525" cap="flat" cmpd="sng" algn="ctr">
+            <a:solidFill>
+              <a:schemeClr val="accent1"/>
+            </a:solidFill>
+            <a:prstDash val="solid"/>
+            <a:round/>
+            <a:headEnd type="none" w="med" len="med"/>
+            <a:tailEnd type="none" w="med" len="med"/>
+          </a:ln>
+        </p:spPr>
+        <p:style>
+          <a:lnRef idx="0">
+            <a:scrgbClr r="0" g="0" b="0"/>
+          </a:lnRef>
+          <a:fillRef idx="0">
+            <a:scrgbClr r="0" g="0" b="0"/>
+          </a:fillRef>
+          <a:effectRef idx="0">
+            <a:scrgbClr r="0" g="0" b="0"/>
+          </a:effectRef>
+          <a:fontRef idx="minor">
+            <a:schemeClr val="accent1"/>
+          </a:fontRef>
+        </p:style>
+        <p:txBody>
+          <a:bodyPr rtlCol="0" anchor="ctr"/>
+          <a:lstStyle/>
+          <a:p>
+            <a:pPr algn="ctr"/>
+            <a:endParaRPr kumimoji="1" lang="ja-JP" altLang="en-US"/>
+          </a:p>
+        </p:txBody>
+      </p:sp>
+      <p:sp>
+        <p:nvSpPr>
+          <p:cNvPr id="24" name="二等辺三角形 23">
+            <a:extLst>
+              <a:ext uri="{FF2B5EF4-FFF2-40B4-BE49-F238E27FC236}">
+                <a16:creationId xmlns:a16="http://schemas.microsoft.com/office/drawing/2014/main" id="{8548B91A-9986-AC27-B9F3-EBA1B997FBA0}"/>
+              </a:ext>
+            </a:extLst>
+          </p:cNvPr>
+          <p:cNvSpPr/>
+          <p:nvPr/>
+        </p:nvSpPr>
+        <p:spPr>
+          <a:xfrm rot="16200000">
+            <a:off x="6642099" y="888998"/>
+            <a:ext cx="5188529" cy="5080001"/>
+          </a:xfrm>
+          <a:prstGeom prst="triangle">
+            <a:avLst/>
+          </a:prstGeom>
+          <a:noFill/>
+          <a:ln w="9525" cap="flat" cmpd="sng" algn="ctr">
+            <a:solidFill>
+              <a:schemeClr val="dk1"/>
+            </a:solidFill>
+            <a:prstDash val="solid"/>
+            <a:round/>
+            <a:headEnd type="none" w="med" len="med"/>
+            <a:tailEnd type="none" w="med" len="med"/>
+          </a:ln>
+        </p:spPr>
+        <p:style>
+          <a:lnRef idx="0">
+            <a:scrgbClr r="0" g="0" b="0"/>
+          </a:lnRef>
+          <a:fillRef idx="0">
+            <a:scrgbClr r="0" g="0" b="0"/>
+          </a:fillRef>
+          <a:effectRef idx="0">
+            <a:scrgbClr r="0" g="0" b="0"/>
+          </a:effectRef>
+          <a:fontRef idx="minor">
+            <a:schemeClr val="dk1"/>
+          </a:fontRef>
+        </p:style>
+        <p:txBody>
+          <a:bodyPr rtlCol="0" anchor="ctr"/>
+          <a:lstStyle/>
+          <a:p>
+            <a:pPr algn="ctr"/>
+            <a:endParaRPr kumimoji="1" lang="ja-JP" altLang="en-US"/>
+          </a:p>
+        </p:txBody>
+      </p:sp>
+      <p:sp>
+        <p:nvSpPr>
+          <p:cNvPr id="25" name="楕円 24">
+            <a:extLst>
+              <a:ext uri="{FF2B5EF4-FFF2-40B4-BE49-F238E27FC236}">
+                <a16:creationId xmlns:a16="http://schemas.microsoft.com/office/drawing/2014/main" id="{4C94DD03-DA3F-0EE1-FFDC-F40BF55C5755}"/>
+              </a:ext>
+            </a:extLst>
+          </p:cNvPr>
+          <p:cNvSpPr/>
+          <p:nvPr/>
+        </p:nvSpPr>
+        <p:spPr>
+          <a:xfrm>
+            <a:off x="10169239" y="1453639"/>
+            <a:ext cx="1477817" cy="1477817"/>
+          </a:xfrm>
+          <a:prstGeom prst="ellipse">
+            <a:avLst/>
+          </a:prstGeom>
+        </p:spPr>
+        <p:style>
+          <a:lnRef idx="2">
+            <a:schemeClr val="accent1">
+              <a:shade val="15000"/>
+            </a:schemeClr>
+          </a:lnRef>
+          <a:fillRef idx="1">
+            <a:schemeClr val="accent1"/>
+          </a:fillRef>
+          <a:effectRef idx="0">
+            <a:schemeClr val="accent1"/>
+          </a:effectRef>
+          <a:fontRef idx="minor">
+            <a:schemeClr val="lt1"/>
+          </a:fontRef>
+        </p:style>
+        <p:txBody>
+          <a:bodyPr rtlCol="0" anchor="ctr"/>
+          <a:lstStyle/>
+          <a:p>
+            <a:pPr algn="ctr"/>
+            <a:r>
+              <a:rPr kumimoji="1" lang="en-US" altLang="ja-JP" sz="1600" dirty="0"/>
+              <a:t>Creature</a:t>
+            </a:r>
+            <a:endParaRPr kumimoji="1" lang="ja-JP" altLang="en-US" sz="1600" dirty="0"/>
+          </a:p>
+        </p:txBody>
+      </p:sp>
+      <p:sp>
+        <p:nvSpPr>
+          <p:cNvPr id="26" name="テキスト ボックス 25">
+            <a:extLst>
+              <a:ext uri="{FF2B5EF4-FFF2-40B4-BE49-F238E27FC236}">
+                <a16:creationId xmlns:a16="http://schemas.microsoft.com/office/drawing/2014/main" id="{998A384F-B634-7CBA-C1D2-FDDE8F5AB02A}"/>
+              </a:ext>
+            </a:extLst>
+          </p:cNvPr>
+          <p:cNvSpPr txBox="1"/>
+          <p:nvPr/>
+        </p:nvSpPr>
+        <p:spPr>
+          <a:xfrm>
+            <a:off x="10511434" y="6144551"/>
+            <a:ext cx="1569660" cy="369332"/>
+          </a:xfrm>
+          <a:prstGeom prst="rect">
+            <a:avLst/>
+          </a:prstGeom>
+          <a:noFill/>
+        </p:spPr>
+        <p:txBody>
+          <a:bodyPr wrap="none" rtlCol="0">
+            <a:spAutoFit/>
+          </a:bodyPr>
+          <a:lstStyle/>
+          <a:p>
+            <a:r>
+              <a:rPr kumimoji="1" lang="ja-JP" altLang="en-US" dirty="0"/>
+              <a:t>カメラの画角</a:t>
+            </a:r>
+          </a:p>
+        </p:txBody>
+      </p:sp>
+      <p:cxnSp>
+        <p:nvCxnSpPr>
+          <p:cNvPr id="28" name="直線矢印コネクタ 27">
+            <a:extLst>
+              <a:ext uri="{FF2B5EF4-FFF2-40B4-BE49-F238E27FC236}">
+                <a16:creationId xmlns:a16="http://schemas.microsoft.com/office/drawing/2014/main" id="{2184AA67-7249-5554-E018-6D28D9021550}"/>
+              </a:ext>
+            </a:extLst>
+          </p:cNvPr>
+          <p:cNvCxnSpPr>
+            <a:cxnSpLocks/>
+          </p:cNvCxnSpPr>
+          <p:nvPr/>
+        </p:nvCxnSpPr>
+        <p:spPr>
+          <a:xfrm flipH="1">
+            <a:off x="6696363" y="2364509"/>
+            <a:ext cx="3648364" cy="991688"/>
+          </a:xfrm>
+          <a:prstGeom prst="straightConnector1">
+            <a:avLst/>
+          </a:prstGeom>
+          <a:ln>
+            <a:tailEnd type="triangle"/>
+          </a:ln>
+        </p:spPr>
+        <p:style>
+          <a:lnRef idx="2">
+            <a:schemeClr val="accent1"/>
+          </a:lnRef>
+          <a:fillRef idx="0">
+            <a:schemeClr val="accent1"/>
+          </a:fillRef>
+          <a:effectRef idx="1">
+            <a:schemeClr val="accent1"/>
+          </a:effectRef>
+          <a:fontRef idx="minor">
+            <a:schemeClr val="tx1"/>
+          </a:fontRef>
+        </p:style>
+      </p:cxnSp>
+      <p:sp>
+        <p:nvSpPr>
+          <p:cNvPr id="34" name="テキスト ボックス 33">
+            <a:extLst>
+              <a:ext uri="{FF2B5EF4-FFF2-40B4-BE49-F238E27FC236}">
+                <a16:creationId xmlns:a16="http://schemas.microsoft.com/office/drawing/2014/main" id="{1554C1EA-0F72-DC17-5715-4D6FEFA6AC72}"/>
+              </a:ext>
+            </a:extLst>
+          </p:cNvPr>
+          <p:cNvSpPr txBox="1"/>
+          <p:nvPr/>
+        </p:nvSpPr>
+        <p:spPr>
+          <a:xfrm>
+            <a:off x="6188363" y="154748"/>
+            <a:ext cx="2540001" cy="1754326"/>
+          </a:xfrm>
+          <a:prstGeom prst="rect">
+            <a:avLst/>
+          </a:prstGeom>
+        </p:spPr>
+        <p:style>
+          <a:lnRef idx="2">
+            <a:schemeClr val="dk1"/>
+          </a:lnRef>
+          <a:fillRef idx="1">
+            <a:schemeClr val="lt1"/>
+          </a:fillRef>
+          <a:effectRef idx="0">
+            <a:schemeClr val="dk1"/>
+          </a:effectRef>
+          <a:fontRef idx="minor">
+            <a:schemeClr val="dk1"/>
+          </a:fontRef>
+        </p:style>
+        <p:txBody>
+          <a:bodyPr wrap="square" rtlCol="0">
+            <a:spAutoFit/>
+          </a:bodyPr>
+          <a:lstStyle/>
+          <a:p>
+            <a:r>
+              <a:rPr lang="ja-JP" altLang="en-US" dirty="0"/>
+              <a:t>カメラの画角内にクリーチャーが居るかどうかをベクトルで確認しいる場合は累乗数値を足音が聞こえやすくなるように変更する。</a:t>
+            </a:r>
+            <a:endParaRPr kumimoji="1" lang="ja-JP" altLang="en-US" dirty="0"/>
+          </a:p>
+        </p:txBody>
+      </p:sp>
+      <p:cxnSp>
+        <p:nvCxnSpPr>
+          <p:cNvPr id="36" name="直線矢印コネクタ 35">
+            <a:extLst>
+              <a:ext uri="{FF2B5EF4-FFF2-40B4-BE49-F238E27FC236}">
+                <a16:creationId xmlns:a16="http://schemas.microsoft.com/office/drawing/2014/main" id="{D270901D-1CF5-CF46-59FC-65B9BB1AA63C}"/>
+              </a:ext>
+            </a:extLst>
+          </p:cNvPr>
+          <p:cNvCxnSpPr>
+            <a:cxnSpLocks/>
+            <a:stCxn id="34" idx="3"/>
+          </p:cNvCxnSpPr>
+          <p:nvPr/>
+        </p:nvCxnSpPr>
+        <p:spPr>
+          <a:xfrm>
+            <a:off x="8728364" y="1031911"/>
+            <a:ext cx="1006956" cy="1493597"/>
+          </a:xfrm>
+          <a:prstGeom prst="straightConnector1">
+            <a:avLst/>
+          </a:prstGeom>
+          <a:ln>
+            <a:tailEnd type="triangle"/>
+          </a:ln>
+        </p:spPr>
+        <p:style>
+          <a:lnRef idx="2">
+            <a:schemeClr val="dk1"/>
+          </a:lnRef>
+          <a:fillRef idx="0">
+            <a:schemeClr val="dk1"/>
+          </a:fillRef>
+          <a:effectRef idx="1">
+            <a:schemeClr val="dk1"/>
+          </a:effectRef>
+          <a:fontRef idx="minor">
+            <a:schemeClr val="tx1"/>
+          </a:fontRef>
+        </p:style>
+      </p:cxnSp>
+      <p:sp>
+        <p:nvSpPr>
+          <p:cNvPr id="38" name="楕円 37">
+            <a:extLst>
+              <a:ext uri="{FF2B5EF4-FFF2-40B4-BE49-F238E27FC236}">
+                <a16:creationId xmlns:a16="http://schemas.microsoft.com/office/drawing/2014/main" id="{35F7C084-2BEC-A8BD-B6A8-3744BE884F56}"/>
+              </a:ext>
+            </a:extLst>
+          </p:cNvPr>
+          <p:cNvSpPr/>
+          <p:nvPr/>
+        </p:nvSpPr>
+        <p:spPr>
+          <a:xfrm>
+            <a:off x="646366" y="886692"/>
+            <a:ext cx="1477817" cy="1477817"/>
+          </a:xfrm>
+          <a:prstGeom prst="ellipse">
+            <a:avLst/>
+          </a:prstGeom>
+        </p:spPr>
+        <p:style>
+          <a:lnRef idx="2">
+            <a:schemeClr val="accent1">
+              <a:shade val="15000"/>
+            </a:schemeClr>
+          </a:lnRef>
+          <a:fillRef idx="1">
+            <a:schemeClr val="accent1"/>
+          </a:fillRef>
+          <a:effectRef idx="0">
+            <a:schemeClr val="accent1"/>
+          </a:effectRef>
+          <a:fontRef idx="minor">
+            <a:schemeClr val="lt1"/>
+          </a:fontRef>
+        </p:style>
+        <p:txBody>
+          <a:bodyPr rtlCol="0" anchor="ctr"/>
+          <a:lstStyle/>
+          <a:p>
+            <a:pPr algn="ctr"/>
+            <a:r>
+              <a:rPr kumimoji="1" lang="en-US" altLang="ja-JP" sz="1600" dirty="0"/>
+              <a:t>Creature</a:t>
+            </a:r>
+            <a:endParaRPr kumimoji="1" lang="ja-JP" altLang="en-US" sz="1600" dirty="0"/>
+          </a:p>
+        </p:txBody>
+      </p:sp>
+      <p:cxnSp>
+        <p:nvCxnSpPr>
+          <p:cNvPr id="40" name="直線矢印コネクタ 39">
+            <a:extLst>
+              <a:ext uri="{FF2B5EF4-FFF2-40B4-BE49-F238E27FC236}">
+                <a16:creationId xmlns:a16="http://schemas.microsoft.com/office/drawing/2014/main" id="{E505D248-22FE-DBE0-F155-4936A8A9D0B9}"/>
+              </a:ext>
+            </a:extLst>
+          </p:cNvPr>
+          <p:cNvCxnSpPr>
+            <a:cxnSpLocks/>
+            <a:stCxn id="2" idx="1"/>
+          </p:cNvCxnSpPr>
+          <p:nvPr/>
+        </p:nvCxnSpPr>
+        <p:spPr>
+          <a:xfrm flipH="1" flipV="1">
+            <a:off x="2086974" y="1874378"/>
+            <a:ext cx="3584504" cy="1130100"/>
+          </a:xfrm>
+          <a:prstGeom prst="straightConnector1">
+            <a:avLst/>
+          </a:prstGeom>
+          <a:ln>
+            <a:tailEnd type="triangle"/>
+          </a:ln>
+        </p:spPr>
+        <p:style>
+          <a:lnRef idx="2">
+            <a:schemeClr val="accent1"/>
+          </a:lnRef>
+          <a:fillRef idx="0">
+            <a:schemeClr val="accent1"/>
+          </a:fillRef>
+          <a:effectRef idx="1">
+            <a:schemeClr val="accent1"/>
+          </a:effectRef>
+          <a:fontRef idx="minor">
+            <a:schemeClr val="tx1"/>
+          </a:fontRef>
+        </p:style>
+      </p:cxnSp>
+      <p:sp>
+        <p:nvSpPr>
+          <p:cNvPr id="44" name="テキスト ボックス 43">
+            <a:extLst>
+              <a:ext uri="{FF2B5EF4-FFF2-40B4-BE49-F238E27FC236}">
+                <a16:creationId xmlns:a16="http://schemas.microsoft.com/office/drawing/2014/main" id="{F7ADF47B-21EF-28C9-31AF-32A7FBD8361C}"/>
+              </a:ext>
+            </a:extLst>
+          </p:cNvPr>
+          <p:cNvSpPr txBox="1"/>
+          <p:nvPr/>
+        </p:nvSpPr>
+        <p:spPr>
+          <a:xfrm>
+            <a:off x="2387698" y="203935"/>
+            <a:ext cx="3482110" cy="923330"/>
+          </a:xfrm>
+          <a:prstGeom prst="rect">
+            <a:avLst/>
+          </a:prstGeom>
+        </p:spPr>
+        <p:style>
+          <a:lnRef idx="2">
+            <a:schemeClr val="dk1"/>
+          </a:lnRef>
+          <a:fillRef idx="1">
+            <a:schemeClr val="lt1"/>
+          </a:fillRef>
+          <a:effectRef idx="0">
+            <a:schemeClr val="dk1"/>
+          </a:effectRef>
+          <a:fontRef idx="minor">
+            <a:schemeClr val="dk1"/>
+          </a:fontRef>
+        </p:style>
+        <p:txBody>
+          <a:bodyPr wrap="square" rtlCol="0">
+            <a:spAutoFit/>
+          </a:bodyPr>
+          <a:lstStyle/>
+          <a:p>
+            <a:r>
+              <a:rPr kumimoji="1" lang="ja-JP" altLang="en-US" dirty="0"/>
+              <a:t>カメラの画角外にクリーチャー</a:t>
+            </a:r>
+            <a:endParaRPr kumimoji="1" lang="en-US" altLang="ja-JP" dirty="0"/>
+          </a:p>
+          <a:p>
+            <a:r>
+              <a:rPr lang="ja-JP" altLang="en-US" dirty="0"/>
+              <a:t>がいるなら累乗数値を足音が聞こえにくくなるように変更する。</a:t>
+            </a:r>
+            <a:endParaRPr lang="en-US" altLang="ja-JP" dirty="0"/>
+          </a:p>
+        </p:txBody>
+      </p:sp>
+      <p:cxnSp>
+        <p:nvCxnSpPr>
+          <p:cNvPr id="46" name="直線矢印コネクタ 45">
+            <a:extLst>
+              <a:ext uri="{FF2B5EF4-FFF2-40B4-BE49-F238E27FC236}">
+                <a16:creationId xmlns:a16="http://schemas.microsoft.com/office/drawing/2014/main" id="{927C2577-3F64-4F97-E780-96A5FE84BD93}"/>
+              </a:ext>
+            </a:extLst>
+          </p:cNvPr>
+          <p:cNvCxnSpPr>
+            <a:stCxn id="44" idx="2"/>
+          </p:cNvCxnSpPr>
+          <p:nvPr/>
+        </p:nvCxnSpPr>
+        <p:spPr>
+          <a:xfrm flipH="1">
+            <a:off x="3583709" y="1127265"/>
+            <a:ext cx="545044" cy="1205369"/>
+          </a:xfrm>
+          <a:prstGeom prst="straightConnector1">
+            <a:avLst/>
+          </a:prstGeom>
+          <a:ln>
+            <a:tailEnd type="triangle"/>
+          </a:ln>
+        </p:spPr>
+        <p:style>
+          <a:lnRef idx="2">
+            <a:schemeClr val="dk1"/>
+          </a:lnRef>
+          <a:fillRef idx="0">
+            <a:schemeClr val="dk1"/>
+          </a:fillRef>
+          <a:effectRef idx="1">
+            <a:schemeClr val="dk1"/>
+          </a:effectRef>
+          <a:fontRef idx="minor">
+            <a:schemeClr val="tx1"/>
+          </a:fontRef>
+        </p:style>
+      </p:cxnSp>
+    </p:spTree>
+    <p:extLst>
+      <p:ext uri="{BB962C8B-B14F-4D97-AF65-F5344CB8AC3E}">
+        <p14:creationId xmlns:p14="http://schemas.microsoft.com/office/powerpoint/2010/main" val="1854209805"/>
       </p:ext>
     </p:extLst>
   </p:cSld>
